--- a/presentation.pptx
+++ b/presentation.pptx
@@ -10,6 +10,8 @@
     <p:sldId id="258" r:id="rId4"/>
     <p:sldId id="259" r:id="rId5"/>
     <p:sldId id="260" r:id="rId6"/>
+    <p:sldId id="261" r:id="rId7"/>
+    <p:sldId id="262" r:id="rId8"/>
   </p:sldIdLst>
   <p:sldSz cx="12192000" cy="6858000"/>
   <p:notesSz cx="6858000" cy="9144000"/>
@@ -116,6 +118,3014 @@
 </p:presentation>
 </file>
 
+<file path=ppt/charts/chart1.xml><?xml version="1.0" encoding="utf-8"?>
+<c:chartSpace xmlns:c="http://schemas.openxmlformats.org/drawingml/2006/chart" xmlns:a="http://schemas.openxmlformats.org/drawingml/2006/main" xmlns:r="http://schemas.openxmlformats.org/officeDocument/2006/relationships" xmlns:c16r2="http://schemas.microsoft.com/office/drawing/2015/06/chart">
+  <c:date1904 val="0"/>
+  <c:lang val="it-IT"/>
+  <c:roundedCorners val="0"/>
+  <mc:AlternateContent xmlns:mc="http://schemas.openxmlformats.org/markup-compatibility/2006">
+    <mc:Choice xmlns:c14="http://schemas.microsoft.com/office/drawing/2007/8/2/chart" Requires="c14">
+      <c14:style val="102"/>
+    </mc:Choice>
+    <mc:Fallback>
+      <c:style val="2"/>
+    </mc:Fallback>
+  </mc:AlternateContent>
+  <c:chart>
+    <c:title>
+      <c:tx>
+        <c:rich>
+          <a:bodyPr rot="0" spcFirstLastPara="1" vertOverflow="ellipsis" vert="horz" wrap="square" anchor="ctr" anchorCtr="1"/>
+          <a:lstStyle/>
+          <a:p>
+            <a:pPr>
+              <a:defRPr sz="1862" b="0" i="0" u="none" strike="noStrike" kern="1200" spc="0" baseline="0">
+                <a:solidFill>
+                  <a:schemeClr val="tx1">
+                    <a:lumMod val="65000"/>
+                    <a:lumOff val="35000"/>
+                  </a:schemeClr>
+                </a:solidFill>
+                <a:latin typeface="+mn-lt"/>
+                <a:ea typeface="+mn-ea"/>
+                <a:cs typeface="+mn-cs"/>
+              </a:defRPr>
+            </a:pPr>
+            <a:r>
+              <a:rPr lang="it-IT" dirty="0" err="1"/>
+              <a:t>Execution</a:t>
+            </a:r>
+            <a:r>
+              <a:rPr lang="it-IT" baseline="0" dirty="0"/>
+              <a:t> time</a:t>
+            </a:r>
+            <a:endParaRPr lang="it-IT" dirty="0"/>
+          </a:p>
+        </c:rich>
+      </c:tx>
+      <c:overlay val="0"/>
+      <c:spPr>
+        <a:noFill/>
+        <a:ln>
+          <a:noFill/>
+        </a:ln>
+        <a:effectLst/>
+      </c:spPr>
+      <c:txPr>
+        <a:bodyPr rot="0" spcFirstLastPara="1" vertOverflow="ellipsis" vert="horz" wrap="square" anchor="ctr" anchorCtr="1"/>
+        <a:lstStyle/>
+        <a:p>
+          <a:pPr>
+            <a:defRPr sz="1862" b="0" i="0" u="none" strike="noStrike" kern="1200" spc="0" baseline="0">
+              <a:solidFill>
+                <a:schemeClr val="tx1">
+                  <a:lumMod val="65000"/>
+                  <a:lumOff val="35000"/>
+                </a:schemeClr>
+              </a:solidFill>
+              <a:latin typeface="+mn-lt"/>
+              <a:ea typeface="+mn-ea"/>
+              <a:cs typeface="+mn-cs"/>
+            </a:defRPr>
+          </a:pPr>
+          <a:endParaRPr lang="it-IT"/>
+        </a:p>
+      </c:txPr>
+    </c:title>
+    <c:autoTitleDeleted val="0"/>
+    <c:plotArea>
+      <c:layout/>
+      <c:barChart>
+        <c:barDir val="col"/>
+        <c:grouping val="clustered"/>
+        <c:varyColors val="0"/>
+        <c:ser>
+          <c:idx val="0"/>
+          <c:order val="0"/>
+          <c:tx>
+            <c:strRef>
+              <c:f>Foglio1!$B$1</c:f>
+              <c:strCache>
+                <c:ptCount val="1"/>
+                <c:pt idx="0">
+                  <c:v>Original</c:v>
+                </c:pt>
+              </c:strCache>
+            </c:strRef>
+          </c:tx>
+          <c:spPr>
+            <a:solidFill>
+              <a:schemeClr val="accent1"/>
+            </a:solidFill>
+            <a:ln>
+              <a:noFill/>
+            </a:ln>
+            <a:effectLst/>
+          </c:spPr>
+          <c:invertIfNegative val="0"/>
+          <c:cat>
+            <c:strRef>
+              <c:f>Foglio1!$A$2:$A$5</c:f>
+              <c:strCache>
+                <c:ptCount val="4"/>
+                <c:pt idx="0">
+                  <c:v>MINI</c:v>
+                </c:pt>
+                <c:pt idx="1">
+                  <c:v>SMALL</c:v>
+                </c:pt>
+                <c:pt idx="2">
+                  <c:v>STANDARD</c:v>
+                </c:pt>
+                <c:pt idx="3">
+                  <c:v>LARGE</c:v>
+                </c:pt>
+              </c:strCache>
+            </c:strRef>
+          </c:cat>
+          <c:val>
+            <c:numRef>
+              <c:f>Foglio1!$B$2:$B$5</c:f>
+              <c:numCache>
+                <c:formatCode>0.000000</c:formatCode>
+                <c:ptCount val="4"/>
+                <c:pt idx="0">
+                  <c:v>8.1236999999999993E-3</c:v>
+                </c:pt>
+                <c:pt idx="1">
+                  <c:v>0.57812397599999998</c:v>
+                </c:pt>
+                <c:pt idx="2">
+                  <c:v>5.7638200900000003</c:v>
+                </c:pt>
+                <c:pt idx="3">
+                  <c:v>56.111401956000002</c:v>
+                </c:pt>
+              </c:numCache>
+            </c:numRef>
+          </c:val>
+          <c:extLst>
+            <c:ext xmlns:c16="http://schemas.microsoft.com/office/drawing/2014/chart" uri="{C3380CC4-5D6E-409C-BE32-E72D297353CC}">
+              <c16:uniqueId val="{00000000-DED1-4D88-9AA6-44C9ABC5C598}"/>
+            </c:ext>
+          </c:extLst>
+        </c:ser>
+        <c:ser>
+          <c:idx val="1"/>
+          <c:order val="1"/>
+          <c:tx>
+            <c:strRef>
+              <c:f>Foglio1!$C$1</c:f>
+              <c:strCache>
+                <c:ptCount val="1"/>
+                <c:pt idx="0">
+                  <c:v>Solution 1</c:v>
+                </c:pt>
+              </c:strCache>
+            </c:strRef>
+          </c:tx>
+          <c:spPr>
+            <a:solidFill>
+              <a:schemeClr val="accent2"/>
+            </a:solidFill>
+            <a:ln>
+              <a:noFill/>
+            </a:ln>
+            <a:effectLst/>
+          </c:spPr>
+          <c:invertIfNegative val="0"/>
+          <c:cat>
+            <c:strRef>
+              <c:f>Foglio1!$A$2:$A$5</c:f>
+              <c:strCache>
+                <c:ptCount val="4"/>
+                <c:pt idx="0">
+                  <c:v>MINI</c:v>
+                </c:pt>
+                <c:pt idx="1">
+                  <c:v>SMALL</c:v>
+                </c:pt>
+                <c:pt idx="2">
+                  <c:v>STANDARD</c:v>
+                </c:pt>
+                <c:pt idx="3">
+                  <c:v>LARGE</c:v>
+                </c:pt>
+              </c:strCache>
+            </c:strRef>
+          </c:cat>
+          <c:val>
+            <c:numRef>
+              <c:f>Foglio1!$C$2:$C$5</c:f>
+              <c:numCache>
+                <c:formatCode>0.000000</c:formatCode>
+                <c:ptCount val="4"/>
+                <c:pt idx="0">
+                  <c:v>6.1330559999999996E-3</c:v>
+                </c:pt>
+                <c:pt idx="1">
+                  <c:v>0.40889968500000001</c:v>
+                </c:pt>
+                <c:pt idx="2">
+                  <c:v>3.7625614270000001</c:v>
+                </c:pt>
+                <c:pt idx="3">
+                  <c:v>39.832583130000003</c:v>
+                </c:pt>
+              </c:numCache>
+            </c:numRef>
+          </c:val>
+          <c:extLst>
+            <c:ext xmlns:c16="http://schemas.microsoft.com/office/drawing/2014/chart" uri="{C3380CC4-5D6E-409C-BE32-E72D297353CC}">
+              <c16:uniqueId val="{00000001-DED1-4D88-9AA6-44C9ABC5C598}"/>
+            </c:ext>
+          </c:extLst>
+        </c:ser>
+        <c:ser>
+          <c:idx val="2"/>
+          <c:order val="2"/>
+          <c:tx>
+            <c:strRef>
+              <c:f>Foglio1!$D$1</c:f>
+              <c:strCache>
+                <c:ptCount val="1"/>
+                <c:pt idx="0">
+                  <c:v>Solution 2</c:v>
+                </c:pt>
+              </c:strCache>
+            </c:strRef>
+          </c:tx>
+          <c:spPr>
+            <a:solidFill>
+              <a:schemeClr val="accent3"/>
+            </a:solidFill>
+            <a:ln>
+              <a:noFill/>
+            </a:ln>
+            <a:effectLst/>
+          </c:spPr>
+          <c:invertIfNegative val="0"/>
+          <c:cat>
+            <c:strRef>
+              <c:f>Foglio1!$A$2:$A$5</c:f>
+              <c:strCache>
+                <c:ptCount val="4"/>
+                <c:pt idx="0">
+                  <c:v>MINI</c:v>
+                </c:pt>
+                <c:pt idx="1">
+                  <c:v>SMALL</c:v>
+                </c:pt>
+                <c:pt idx="2">
+                  <c:v>STANDARD</c:v>
+                </c:pt>
+                <c:pt idx="3">
+                  <c:v>LARGE</c:v>
+                </c:pt>
+              </c:strCache>
+            </c:strRef>
+          </c:cat>
+          <c:val>
+            <c:numRef>
+              <c:f>Foglio1!$D$2:$D$5</c:f>
+              <c:numCache>
+                <c:formatCode>0.000000</c:formatCode>
+                <c:ptCount val="4"/>
+                <c:pt idx="0">
+                  <c:v>5.7840369999999997E-3</c:v>
+                </c:pt>
+                <c:pt idx="1">
+                  <c:v>0.37061480299999999</c:v>
+                </c:pt>
+                <c:pt idx="2">
+                  <c:v>3.222968587</c:v>
+                </c:pt>
+                <c:pt idx="3">
+                  <c:v>39.605690582999998</c:v>
+                </c:pt>
+              </c:numCache>
+            </c:numRef>
+          </c:val>
+          <c:extLst>
+            <c:ext xmlns:c16="http://schemas.microsoft.com/office/drawing/2014/chart" uri="{C3380CC4-5D6E-409C-BE32-E72D297353CC}">
+              <c16:uniqueId val="{00000002-DED1-4D88-9AA6-44C9ABC5C598}"/>
+            </c:ext>
+          </c:extLst>
+        </c:ser>
+        <c:dLbls>
+          <c:showLegendKey val="0"/>
+          <c:showVal val="0"/>
+          <c:showCatName val="0"/>
+          <c:showSerName val="0"/>
+          <c:showPercent val="0"/>
+          <c:showBubbleSize val="0"/>
+        </c:dLbls>
+        <c:gapWidth val="219"/>
+        <c:overlap val="-27"/>
+        <c:axId val="1546791135"/>
+        <c:axId val="1546792383"/>
+      </c:barChart>
+      <c:catAx>
+        <c:axId val="1546791135"/>
+        <c:scaling>
+          <c:orientation val="minMax"/>
+        </c:scaling>
+        <c:delete val="0"/>
+        <c:axPos val="b"/>
+        <c:numFmt formatCode="General" sourceLinked="1"/>
+        <c:majorTickMark val="none"/>
+        <c:minorTickMark val="none"/>
+        <c:tickLblPos val="nextTo"/>
+        <c:spPr>
+          <a:noFill/>
+          <a:ln w="9525" cap="flat" cmpd="sng" algn="ctr">
+            <a:solidFill>
+              <a:schemeClr val="tx1">
+                <a:lumMod val="15000"/>
+                <a:lumOff val="85000"/>
+              </a:schemeClr>
+            </a:solidFill>
+            <a:round/>
+          </a:ln>
+          <a:effectLst/>
+        </c:spPr>
+        <c:txPr>
+          <a:bodyPr rot="-60000000" spcFirstLastPara="1" vertOverflow="ellipsis" vert="horz" wrap="square" anchor="ctr" anchorCtr="1"/>
+          <a:lstStyle/>
+          <a:p>
+            <a:pPr>
+              <a:defRPr sz="1197" b="0" i="0" u="none" strike="noStrike" kern="1200" baseline="0">
+                <a:solidFill>
+                  <a:schemeClr val="tx1">
+                    <a:lumMod val="65000"/>
+                    <a:lumOff val="35000"/>
+                  </a:schemeClr>
+                </a:solidFill>
+                <a:latin typeface="+mn-lt"/>
+                <a:ea typeface="+mn-ea"/>
+                <a:cs typeface="+mn-cs"/>
+              </a:defRPr>
+            </a:pPr>
+            <a:endParaRPr lang="it-IT"/>
+          </a:p>
+        </c:txPr>
+        <c:crossAx val="1546792383"/>
+        <c:crossesAt val="1.0000000000000002E-3"/>
+        <c:auto val="1"/>
+        <c:lblAlgn val="ctr"/>
+        <c:lblOffset val="100"/>
+        <c:noMultiLvlLbl val="0"/>
+      </c:catAx>
+      <c:valAx>
+        <c:axId val="1546792383"/>
+        <c:scaling>
+          <c:logBase val="10"/>
+          <c:orientation val="minMax"/>
+        </c:scaling>
+        <c:delete val="0"/>
+        <c:axPos val="l"/>
+        <c:majorGridlines>
+          <c:spPr>
+            <a:ln w="9525" cap="flat" cmpd="sng" algn="ctr">
+              <a:solidFill>
+                <a:schemeClr val="tx1">
+                  <a:lumMod val="15000"/>
+                  <a:lumOff val="85000"/>
+                </a:schemeClr>
+              </a:solidFill>
+              <a:round/>
+            </a:ln>
+            <a:effectLst/>
+          </c:spPr>
+        </c:majorGridlines>
+        <c:numFmt formatCode="0.000000" sourceLinked="1"/>
+        <c:majorTickMark val="none"/>
+        <c:minorTickMark val="none"/>
+        <c:tickLblPos val="nextTo"/>
+        <c:spPr>
+          <a:noFill/>
+          <a:ln>
+            <a:noFill/>
+          </a:ln>
+          <a:effectLst/>
+        </c:spPr>
+        <c:txPr>
+          <a:bodyPr rot="-60000000" spcFirstLastPara="1" vertOverflow="ellipsis" vert="horz" wrap="square" anchor="ctr" anchorCtr="1"/>
+          <a:lstStyle/>
+          <a:p>
+            <a:pPr>
+              <a:defRPr sz="1197" b="0" i="0" u="none" strike="noStrike" kern="1200" baseline="0">
+                <a:solidFill>
+                  <a:schemeClr val="tx1">
+                    <a:lumMod val="65000"/>
+                    <a:lumOff val="35000"/>
+                  </a:schemeClr>
+                </a:solidFill>
+                <a:latin typeface="+mn-lt"/>
+                <a:ea typeface="+mn-ea"/>
+                <a:cs typeface="+mn-cs"/>
+              </a:defRPr>
+            </a:pPr>
+            <a:endParaRPr lang="it-IT"/>
+          </a:p>
+        </c:txPr>
+        <c:crossAx val="1546791135"/>
+        <c:crosses val="autoZero"/>
+        <c:crossBetween val="between"/>
+      </c:valAx>
+      <c:spPr>
+        <a:noFill/>
+        <a:ln>
+          <a:noFill/>
+        </a:ln>
+        <a:effectLst/>
+      </c:spPr>
+    </c:plotArea>
+    <c:legend>
+      <c:legendPos val="b"/>
+      <c:overlay val="0"/>
+      <c:spPr>
+        <a:noFill/>
+        <a:ln>
+          <a:noFill/>
+        </a:ln>
+        <a:effectLst/>
+      </c:spPr>
+      <c:txPr>
+        <a:bodyPr rot="0" spcFirstLastPara="1" vertOverflow="ellipsis" vert="horz" wrap="square" anchor="ctr" anchorCtr="1"/>
+        <a:lstStyle/>
+        <a:p>
+          <a:pPr>
+            <a:defRPr sz="1197" b="0" i="0" u="none" strike="noStrike" kern="1200" baseline="0">
+              <a:solidFill>
+                <a:schemeClr val="tx1">
+                  <a:lumMod val="65000"/>
+                  <a:lumOff val="35000"/>
+                </a:schemeClr>
+              </a:solidFill>
+              <a:latin typeface="+mn-lt"/>
+              <a:ea typeface="+mn-ea"/>
+              <a:cs typeface="+mn-cs"/>
+            </a:defRPr>
+          </a:pPr>
+          <a:endParaRPr lang="it-IT"/>
+        </a:p>
+      </c:txPr>
+    </c:legend>
+    <c:plotVisOnly val="1"/>
+    <c:dispBlanksAs val="gap"/>
+    <c:extLst>
+      <c:ext xmlns:c16r3="http://schemas.microsoft.com/office/drawing/2017/03/chart" uri="{56B9EC1D-385E-4148-901F-78D8002777C0}">
+        <c16r3:dataDisplayOptions16>
+          <c16r3:dispNaAsBlank val="1"/>
+        </c16r3:dataDisplayOptions16>
+      </c:ext>
+    </c:extLst>
+    <c:showDLblsOverMax val="0"/>
+  </c:chart>
+  <c:spPr>
+    <a:noFill/>
+    <a:ln>
+      <a:noFill/>
+    </a:ln>
+    <a:effectLst/>
+  </c:spPr>
+  <c:txPr>
+    <a:bodyPr/>
+    <a:lstStyle/>
+    <a:p>
+      <a:pPr>
+        <a:defRPr/>
+      </a:pPr>
+      <a:endParaRPr lang="it-IT"/>
+    </a:p>
+  </c:txPr>
+  <c:externalData r:id="rId3">
+    <c:autoUpdate val="0"/>
+  </c:externalData>
+</c:chartSpace>
+</file>
+
+<file path=ppt/charts/chart2.xml><?xml version="1.0" encoding="utf-8"?>
+<c:chartSpace xmlns:c="http://schemas.openxmlformats.org/drawingml/2006/chart" xmlns:a="http://schemas.openxmlformats.org/drawingml/2006/main" xmlns:r="http://schemas.openxmlformats.org/officeDocument/2006/relationships" xmlns:c16r2="http://schemas.microsoft.com/office/drawing/2015/06/chart">
+  <c:date1904 val="0"/>
+  <c:lang val="it-IT"/>
+  <c:roundedCorners val="0"/>
+  <mc:AlternateContent xmlns:mc="http://schemas.openxmlformats.org/markup-compatibility/2006">
+    <mc:Choice xmlns:c14="http://schemas.microsoft.com/office/drawing/2007/8/2/chart" Requires="c14">
+      <c14:style val="102"/>
+    </mc:Choice>
+    <mc:Fallback>
+      <c:style val="2"/>
+    </mc:Fallback>
+  </mc:AlternateContent>
+  <c:chart>
+    <c:title>
+      <c:tx>
+        <c:rich>
+          <a:bodyPr rot="0" spcFirstLastPara="1" vertOverflow="ellipsis" vert="horz" wrap="square" anchor="ctr" anchorCtr="1"/>
+          <a:lstStyle/>
+          <a:p>
+            <a:pPr>
+              <a:defRPr sz="1862" b="0" i="0" u="none" strike="noStrike" kern="1200" spc="0" baseline="0">
+                <a:solidFill>
+                  <a:schemeClr val="tx1">
+                    <a:lumMod val="65000"/>
+                    <a:lumOff val="35000"/>
+                  </a:schemeClr>
+                </a:solidFill>
+                <a:latin typeface="+mn-lt"/>
+                <a:ea typeface="+mn-ea"/>
+                <a:cs typeface="+mn-cs"/>
+              </a:defRPr>
+            </a:pPr>
+            <a:r>
+              <a:rPr lang="en-GB" baseline="0" noProof="0" dirty="0"/>
+              <a:t>Instruction per cycle</a:t>
+            </a:r>
+            <a:endParaRPr lang="en-GB" noProof="0" dirty="0"/>
+          </a:p>
+        </c:rich>
+      </c:tx>
+      <c:overlay val="0"/>
+      <c:spPr>
+        <a:noFill/>
+        <a:ln>
+          <a:noFill/>
+        </a:ln>
+        <a:effectLst/>
+      </c:spPr>
+      <c:txPr>
+        <a:bodyPr rot="0" spcFirstLastPara="1" vertOverflow="ellipsis" vert="horz" wrap="square" anchor="ctr" anchorCtr="1"/>
+        <a:lstStyle/>
+        <a:p>
+          <a:pPr>
+            <a:defRPr sz="1862" b="0" i="0" u="none" strike="noStrike" kern="1200" spc="0" baseline="0">
+              <a:solidFill>
+                <a:schemeClr val="tx1">
+                  <a:lumMod val="65000"/>
+                  <a:lumOff val="35000"/>
+                </a:schemeClr>
+              </a:solidFill>
+              <a:latin typeface="+mn-lt"/>
+              <a:ea typeface="+mn-ea"/>
+              <a:cs typeface="+mn-cs"/>
+            </a:defRPr>
+          </a:pPr>
+          <a:endParaRPr lang="it-IT"/>
+        </a:p>
+      </c:txPr>
+    </c:title>
+    <c:autoTitleDeleted val="0"/>
+    <c:plotArea>
+      <c:layout/>
+      <c:barChart>
+        <c:barDir val="col"/>
+        <c:grouping val="clustered"/>
+        <c:varyColors val="0"/>
+        <c:ser>
+          <c:idx val="0"/>
+          <c:order val="0"/>
+          <c:tx>
+            <c:strRef>
+              <c:f>Foglio1!$B$1</c:f>
+              <c:strCache>
+                <c:ptCount val="1"/>
+                <c:pt idx="0">
+                  <c:v>Original</c:v>
+                </c:pt>
+              </c:strCache>
+            </c:strRef>
+          </c:tx>
+          <c:spPr>
+            <a:solidFill>
+              <a:schemeClr val="accent1"/>
+            </a:solidFill>
+            <a:ln>
+              <a:noFill/>
+            </a:ln>
+            <a:effectLst/>
+          </c:spPr>
+          <c:invertIfNegative val="0"/>
+          <c:cat>
+            <c:strRef>
+              <c:f>Foglio1!$A$2:$A$5</c:f>
+              <c:strCache>
+                <c:ptCount val="4"/>
+                <c:pt idx="0">
+                  <c:v>MINI</c:v>
+                </c:pt>
+                <c:pt idx="1">
+                  <c:v>SMALL</c:v>
+                </c:pt>
+                <c:pt idx="2">
+                  <c:v>STANDARD</c:v>
+                </c:pt>
+                <c:pt idx="3">
+                  <c:v>LARGE</c:v>
+                </c:pt>
+              </c:strCache>
+            </c:strRef>
+          </c:cat>
+          <c:val>
+            <c:numRef>
+              <c:f>Foglio1!$B$2:$B$5</c:f>
+              <c:numCache>
+                <c:formatCode>0.000000</c:formatCode>
+                <c:ptCount val="4"/>
+                <c:pt idx="0">
+                  <c:v>0.56000000000000005</c:v>
+                </c:pt>
+                <c:pt idx="1">
+                  <c:v>0.53</c:v>
+                </c:pt>
+                <c:pt idx="2">
+                  <c:v>0.42</c:v>
+                </c:pt>
+                <c:pt idx="3">
+                  <c:v>0.34</c:v>
+                </c:pt>
+              </c:numCache>
+            </c:numRef>
+          </c:val>
+          <c:extLst>
+            <c:ext xmlns:c16="http://schemas.microsoft.com/office/drawing/2014/chart" uri="{C3380CC4-5D6E-409C-BE32-E72D297353CC}">
+              <c16:uniqueId val="{00000000-DED1-4D88-9AA6-44C9ABC5C598}"/>
+            </c:ext>
+          </c:extLst>
+        </c:ser>
+        <c:ser>
+          <c:idx val="1"/>
+          <c:order val="1"/>
+          <c:tx>
+            <c:strRef>
+              <c:f>Foglio1!$C$1</c:f>
+              <c:strCache>
+                <c:ptCount val="1"/>
+                <c:pt idx="0">
+                  <c:v>Solution 1</c:v>
+                </c:pt>
+              </c:strCache>
+            </c:strRef>
+          </c:tx>
+          <c:spPr>
+            <a:solidFill>
+              <a:schemeClr val="accent2"/>
+            </a:solidFill>
+            <a:ln>
+              <a:noFill/>
+            </a:ln>
+            <a:effectLst/>
+          </c:spPr>
+          <c:invertIfNegative val="0"/>
+          <c:cat>
+            <c:strRef>
+              <c:f>Foglio1!$A$2:$A$5</c:f>
+              <c:strCache>
+                <c:ptCount val="4"/>
+                <c:pt idx="0">
+                  <c:v>MINI</c:v>
+                </c:pt>
+                <c:pt idx="1">
+                  <c:v>SMALL</c:v>
+                </c:pt>
+                <c:pt idx="2">
+                  <c:v>STANDARD</c:v>
+                </c:pt>
+                <c:pt idx="3">
+                  <c:v>LARGE</c:v>
+                </c:pt>
+              </c:strCache>
+            </c:strRef>
+          </c:cat>
+          <c:val>
+            <c:numRef>
+              <c:f>Foglio1!$C$2:$C$5</c:f>
+              <c:numCache>
+                <c:formatCode>0.000000</c:formatCode>
+                <c:ptCount val="4"/>
+                <c:pt idx="0">
+                  <c:v>0.87</c:v>
+                </c:pt>
+                <c:pt idx="1">
+                  <c:v>0.3</c:v>
+                </c:pt>
+                <c:pt idx="2">
+                  <c:v>0.25</c:v>
+                </c:pt>
+                <c:pt idx="3">
+                  <c:v>0.19</c:v>
+                </c:pt>
+              </c:numCache>
+            </c:numRef>
+          </c:val>
+          <c:extLst>
+            <c:ext xmlns:c16="http://schemas.microsoft.com/office/drawing/2014/chart" uri="{C3380CC4-5D6E-409C-BE32-E72D297353CC}">
+              <c16:uniqueId val="{00000001-DED1-4D88-9AA6-44C9ABC5C598}"/>
+            </c:ext>
+          </c:extLst>
+        </c:ser>
+        <c:ser>
+          <c:idx val="2"/>
+          <c:order val="2"/>
+          <c:tx>
+            <c:strRef>
+              <c:f>Foglio1!$D$1</c:f>
+              <c:strCache>
+                <c:ptCount val="1"/>
+                <c:pt idx="0">
+                  <c:v>Solution 2</c:v>
+                </c:pt>
+              </c:strCache>
+            </c:strRef>
+          </c:tx>
+          <c:spPr>
+            <a:solidFill>
+              <a:schemeClr val="accent3"/>
+            </a:solidFill>
+            <a:ln>
+              <a:noFill/>
+            </a:ln>
+            <a:effectLst/>
+          </c:spPr>
+          <c:invertIfNegative val="0"/>
+          <c:cat>
+            <c:strRef>
+              <c:f>Foglio1!$A$2:$A$5</c:f>
+              <c:strCache>
+                <c:ptCount val="4"/>
+                <c:pt idx="0">
+                  <c:v>MINI</c:v>
+                </c:pt>
+                <c:pt idx="1">
+                  <c:v>SMALL</c:v>
+                </c:pt>
+                <c:pt idx="2">
+                  <c:v>STANDARD</c:v>
+                </c:pt>
+                <c:pt idx="3">
+                  <c:v>LARGE</c:v>
+                </c:pt>
+              </c:strCache>
+            </c:strRef>
+          </c:cat>
+          <c:val>
+            <c:numRef>
+              <c:f>Foglio1!$D$2:$D$5</c:f>
+              <c:numCache>
+                <c:formatCode>0.000000</c:formatCode>
+                <c:ptCount val="4"/>
+                <c:pt idx="0">
+                  <c:v>0.83</c:v>
+                </c:pt>
+                <c:pt idx="1">
+                  <c:v>0.22</c:v>
+                </c:pt>
+                <c:pt idx="2">
+                  <c:v>0.19</c:v>
+                </c:pt>
+                <c:pt idx="3">
+                  <c:v>0.12</c:v>
+                </c:pt>
+              </c:numCache>
+            </c:numRef>
+          </c:val>
+          <c:extLst>
+            <c:ext xmlns:c16="http://schemas.microsoft.com/office/drawing/2014/chart" uri="{C3380CC4-5D6E-409C-BE32-E72D297353CC}">
+              <c16:uniqueId val="{00000002-DED1-4D88-9AA6-44C9ABC5C598}"/>
+            </c:ext>
+          </c:extLst>
+        </c:ser>
+        <c:dLbls>
+          <c:showLegendKey val="0"/>
+          <c:showVal val="0"/>
+          <c:showCatName val="0"/>
+          <c:showSerName val="0"/>
+          <c:showPercent val="0"/>
+          <c:showBubbleSize val="0"/>
+        </c:dLbls>
+        <c:gapWidth val="219"/>
+        <c:overlap val="-27"/>
+        <c:axId val="1546791135"/>
+        <c:axId val="1546792383"/>
+      </c:barChart>
+      <c:catAx>
+        <c:axId val="1546791135"/>
+        <c:scaling>
+          <c:orientation val="minMax"/>
+        </c:scaling>
+        <c:delete val="0"/>
+        <c:axPos val="b"/>
+        <c:numFmt formatCode="General" sourceLinked="1"/>
+        <c:majorTickMark val="none"/>
+        <c:minorTickMark val="none"/>
+        <c:tickLblPos val="nextTo"/>
+        <c:spPr>
+          <a:noFill/>
+          <a:ln w="9525" cap="flat" cmpd="sng" algn="ctr">
+            <a:solidFill>
+              <a:schemeClr val="tx1">
+                <a:lumMod val="15000"/>
+                <a:lumOff val="85000"/>
+              </a:schemeClr>
+            </a:solidFill>
+            <a:round/>
+          </a:ln>
+          <a:effectLst/>
+        </c:spPr>
+        <c:txPr>
+          <a:bodyPr rot="-60000000" spcFirstLastPara="1" vertOverflow="ellipsis" vert="horz" wrap="square" anchor="ctr" anchorCtr="1"/>
+          <a:lstStyle/>
+          <a:p>
+            <a:pPr>
+              <a:defRPr sz="1197" b="0" i="0" u="none" strike="noStrike" kern="1200" baseline="0">
+                <a:solidFill>
+                  <a:schemeClr val="tx1">
+                    <a:lumMod val="65000"/>
+                    <a:lumOff val="35000"/>
+                  </a:schemeClr>
+                </a:solidFill>
+                <a:latin typeface="+mn-lt"/>
+                <a:ea typeface="+mn-ea"/>
+                <a:cs typeface="+mn-cs"/>
+              </a:defRPr>
+            </a:pPr>
+            <a:endParaRPr lang="it-IT"/>
+          </a:p>
+        </c:txPr>
+        <c:crossAx val="1546792383"/>
+        <c:crossesAt val="1.0000000000000002E-3"/>
+        <c:auto val="1"/>
+        <c:lblAlgn val="ctr"/>
+        <c:lblOffset val="100"/>
+        <c:noMultiLvlLbl val="0"/>
+      </c:catAx>
+      <c:valAx>
+        <c:axId val="1546792383"/>
+        <c:scaling>
+          <c:logBase val="10"/>
+          <c:orientation val="minMax"/>
+        </c:scaling>
+        <c:delete val="0"/>
+        <c:axPos val="l"/>
+        <c:majorGridlines>
+          <c:spPr>
+            <a:ln w="9525" cap="flat" cmpd="sng" algn="ctr">
+              <a:solidFill>
+                <a:schemeClr val="tx1">
+                  <a:lumMod val="15000"/>
+                  <a:lumOff val="85000"/>
+                </a:schemeClr>
+              </a:solidFill>
+              <a:round/>
+            </a:ln>
+            <a:effectLst/>
+          </c:spPr>
+        </c:majorGridlines>
+        <c:numFmt formatCode="0.000000" sourceLinked="1"/>
+        <c:majorTickMark val="none"/>
+        <c:minorTickMark val="none"/>
+        <c:tickLblPos val="nextTo"/>
+        <c:spPr>
+          <a:noFill/>
+          <a:ln>
+            <a:noFill/>
+          </a:ln>
+          <a:effectLst/>
+        </c:spPr>
+        <c:txPr>
+          <a:bodyPr rot="-60000000" spcFirstLastPara="1" vertOverflow="ellipsis" vert="horz" wrap="square" anchor="ctr" anchorCtr="1"/>
+          <a:lstStyle/>
+          <a:p>
+            <a:pPr>
+              <a:defRPr sz="1197" b="0" i="0" u="none" strike="noStrike" kern="1200" baseline="0">
+                <a:solidFill>
+                  <a:schemeClr val="tx1">
+                    <a:lumMod val="65000"/>
+                    <a:lumOff val="35000"/>
+                  </a:schemeClr>
+                </a:solidFill>
+                <a:latin typeface="+mn-lt"/>
+                <a:ea typeface="+mn-ea"/>
+                <a:cs typeface="+mn-cs"/>
+              </a:defRPr>
+            </a:pPr>
+            <a:endParaRPr lang="it-IT"/>
+          </a:p>
+        </c:txPr>
+        <c:crossAx val="1546791135"/>
+        <c:crosses val="autoZero"/>
+        <c:crossBetween val="between"/>
+      </c:valAx>
+      <c:spPr>
+        <a:noFill/>
+        <a:ln>
+          <a:noFill/>
+        </a:ln>
+        <a:effectLst/>
+      </c:spPr>
+    </c:plotArea>
+    <c:legend>
+      <c:legendPos val="b"/>
+      <c:overlay val="0"/>
+      <c:spPr>
+        <a:noFill/>
+        <a:ln>
+          <a:noFill/>
+        </a:ln>
+        <a:effectLst/>
+      </c:spPr>
+      <c:txPr>
+        <a:bodyPr rot="0" spcFirstLastPara="1" vertOverflow="ellipsis" vert="horz" wrap="square" anchor="ctr" anchorCtr="1"/>
+        <a:lstStyle/>
+        <a:p>
+          <a:pPr>
+            <a:defRPr sz="1197" b="0" i="0" u="none" strike="noStrike" kern="1200" baseline="0">
+              <a:solidFill>
+                <a:schemeClr val="tx1">
+                  <a:lumMod val="65000"/>
+                  <a:lumOff val="35000"/>
+                </a:schemeClr>
+              </a:solidFill>
+              <a:latin typeface="+mn-lt"/>
+              <a:ea typeface="+mn-ea"/>
+              <a:cs typeface="+mn-cs"/>
+            </a:defRPr>
+          </a:pPr>
+          <a:endParaRPr lang="it-IT"/>
+        </a:p>
+      </c:txPr>
+    </c:legend>
+    <c:plotVisOnly val="1"/>
+    <c:dispBlanksAs val="gap"/>
+    <c:extLst>
+      <c:ext xmlns:c16r3="http://schemas.microsoft.com/office/drawing/2017/03/chart" uri="{56B9EC1D-385E-4148-901F-78D8002777C0}">
+        <c16r3:dataDisplayOptions16>
+          <c16r3:dispNaAsBlank val="1"/>
+        </c16r3:dataDisplayOptions16>
+      </c:ext>
+    </c:extLst>
+    <c:showDLblsOverMax val="0"/>
+  </c:chart>
+  <c:spPr>
+    <a:noFill/>
+    <a:ln>
+      <a:noFill/>
+    </a:ln>
+    <a:effectLst/>
+  </c:spPr>
+  <c:txPr>
+    <a:bodyPr/>
+    <a:lstStyle/>
+    <a:p>
+      <a:pPr>
+        <a:defRPr/>
+      </a:pPr>
+      <a:endParaRPr lang="it-IT"/>
+    </a:p>
+  </c:txPr>
+  <c:externalData r:id="rId3">
+    <c:autoUpdate val="0"/>
+  </c:externalData>
+</c:chartSpace>
+</file>
+
+<file path=ppt/charts/chart3.xml><?xml version="1.0" encoding="utf-8"?>
+<c:chartSpace xmlns:c="http://schemas.openxmlformats.org/drawingml/2006/chart" xmlns:a="http://schemas.openxmlformats.org/drawingml/2006/main" xmlns:r="http://schemas.openxmlformats.org/officeDocument/2006/relationships" xmlns:c16r2="http://schemas.microsoft.com/office/drawing/2015/06/chart">
+  <c:date1904 val="0"/>
+  <c:lang val="it-IT"/>
+  <c:roundedCorners val="0"/>
+  <mc:AlternateContent xmlns:mc="http://schemas.openxmlformats.org/markup-compatibility/2006">
+    <mc:Choice xmlns:c14="http://schemas.microsoft.com/office/drawing/2007/8/2/chart" Requires="c14">
+      <c14:style val="102"/>
+    </mc:Choice>
+    <mc:Fallback>
+      <c:style val="2"/>
+    </mc:Fallback>
+  </mc:AlternateContent>
+  <c:chart>
+    <c:title>
+      <c:tx>
+        <c:rich>
+          <a:bodyPr rot="0" spcFirstLastPara="1" vertOverflow="ellipsis" vert="horz" wrap="square" anchor="ctr" anchorCtr="1"/>
+          <a:lstStyle/>
+          <a:p>
+            <a:pPr>
+              <a:defRPr sz="1862" b="0" i="0" u="none" strike="noStrike" kern="1200" spc="0" baseline="0">
+                <a:solidFill>
+                  <a:schemeClr val="tx1">
+                    <a:lumMod val="65000"/>
+                    <a:lumOff val="35000"/>
+                  </a:schemeClr>
+                </a:solidFill>
+                <a:latin typeface="+mn-lt"/>
+                <a:ea typeface="+mn-ea"/>
+                <a:cs typeface="+mn-cs"/>
+              </a:defRPr>
+            </a:pPr>
+            <a:r>
+              <a:rPr lang="en-GB" baseline="0" noProof="0" dirty="0"/>
+              <a:t>Instruction per cycle</a:t>
+            </a:r>
+            <a:endParaRPr lang="en-GB" noProof="0" dirty="0"/>
+          </a:p>
+        </c:rich>
+      </c:tx>
+      <c:overlay val="0"/>
+      <c:spPr>
+        <a:noFill/>
+        <a:ln>
+          <a:noFill/>
+        </a:ln>
+        <a:effectLst/>
+      </c:spPr>
+      <c:txPr>
+        <a:bodyPr rot="0" spcFirstLastPara="1" vertOverflow="ellipsis" vert="horz" wrap="square" anchor="ctr" anchorCtr="1"/>
+        <a:lstStyle/>
+        <a:p>
+          <a:pPr>
+            <a:defRPr sz="1862" b="0" i="0" u="none" strike="noStrike" kern="1200" spc="0" baseline="0">
+              <a:solidFill>
+                <a:schemeClr val="tx1">
+                  <a:lumMod val="65000"/>
+                  <a:lumOff val="35000"/>
+                </a:schemeClr>
+              </a:solidFill>
+              <a:latin typeface="+mn-lt"/>
+              <a:ea typeface="+mn-ea"/>
+              <a:cs typeface="+mn-cs"/>
+            </a:defRPr>
+          </a:pPr>
+          <a:endParaRPr lang="it-IT"/>
+        </a:p>
+      </c:txPr>
+    </c:title>
+    <c:autoTitleDeleted val="0"/>
+    <c:plotArea>
+      <c:layout/>
+      <c:lineChart>
+        <c:grouping val="standard"/>
+        <c:varyColors val="0"/>
+        <c:ser>
+          <c:idx val="0"/>
+          <c:order val="0"/>
+          <c:tx>
+            <c:strRef>
+              <c:f>Foglio1!$B$1</c:f>
+              <c:strCache>
+                <c:ptCount val="1"/>
+                <c:pt idx="0">
+                  <c:v>Solution 1</c:v>
+                </c:pt>
+              </c:strCache>
+            </c:strRef>
+          </c:tx>
+          <c:spPr>
+            <a:ln w="28575" cap="rnd">
+              <a:solidFill>
+                <a:schemeClr val="accent1"/>
+              </a:solidFill>
+              <a:round/>
+            </a:ln>
+            <a:effectLst/>
+          </c:spPr>
+          <c:marker>
+            <c:symbol val="none"/>
+          </c:marker>
+          <c:cat>
+            <c:strRef>
+              <c:f>Foglio1!$A$2:$A$5</c:f>
+              <c:strCache>
+                <c:ptCount val="4"/>
+                <c:pt idx="0">
+                  <c:v>MINI</c:v>
+                </c:pt>
+                <c:pt idx="1">
+                  <c:v>SMALL</c:v>
+                </c:pt>
+                <c:pt idx="2">
+                  <c:v>STANDARD</c:v>
+                </c:pt>
+                <c:pt idx="3">
+                  <c:v>LARGE</c:v>
+                </c:pt>
+              </c:strCache>
+            </c:strRef>
+          </c:cat>
+          <c:val>
+            <c:numRef>
+              <c:f>Foglio1!$B$2:$B$5</c:f>
+              <c:numCache>
+                <c:formatCode>0.000000</c:formatCode>
+                <c:ptCount val="4"/>
+                <c:pt idx="0">
+                  <c:v>1.3245</c:v>
+                </c:pt>
+              </c:numCache>
+            </c:numRef>
+          </c:val>
+          <c:smooth val="0"/>
+          <c:extLst>
+            <c:ext xmlns:c16="http://schemas.microsoft.com/office/drawing/2014/chart" uri="{C3380CC4-5D6E-409C-BE32-E72D297353CC}">
+              <c16:uniqueId val="{00000000-DED1-4D88-9AA6-44C9ABC5C598}"/>
+            </c:ext>
+          </c:extLst>
+        </c:ser>
+        <c:ser>
+          <c:idx val="1"/>
+          <c:order val="1"/>
+          <c:tx>
+            <c:strRef>
+              <c:f>Foglio1!$C$1</c:f>
+              <c:strCache>
+                <c:ptCount val="1"/>
+                <c:pt idx="0">
+                  <c:v>Solution 2</c:v>
+                </c:pt>
+              </c:strCache>
+            </c:strRef>
+          </c:tx>
+          <c:spPr>
+            <a:ln w="28575" cap="rnd">
+              <a:solidFill>
+                <a:schemeClr val="accent2"/>
+              </a:solidFill>
+              <a:round/>
+            </a:ln>
+            <a:effectLst/>
+          </c:spPr>
+          <c:marker>
+            <c:symbol val="none"/>
+          </c:marker>
+          <c:cat>
+            <c:strRef>
+              <c:f>Foglio1!$A$2:$A$5</c:f>
+              <c:strCache>
+                <c:ptCount val="4"/>
+                <c:pt idx="0">
+                  <c:v>MINI</c:v>
+                </c:pt>
+                <c:pt idx="1">
+                  <c:v>SMALL</c:v>
+                </c:pt>
+                <c:pt idx="2">
+                  <c:v>STANDARD</c:v>
+                </c:pt>
+                <c:pt idx="3">
+                  <c:v>LARGE</c:v>
+                </c:pt>
+              </c:strCache>
+            </c:strRef>
+          </c:cat>
+          <c:val>
+            <c:numRef>
+              <c:f>Foglio1!$C$2:$C$5</c:f>
+              <c:numCache>
+                <c:formatCode>0.000000</c:formatCode>
+                <c:ptCount val="4"/>
+                <c:pt idx="0">
+                  <c:v>1.4045030000000001</c:v>
+                </c:pt>
+                <c:pt idx="1">
+                  <c:v>0.3</c:v>
+                </c:pt>
+                <c:pt idx="2">
+                  <c:v>0.25</c:v>
+                </c:pt>
+                <c:pt idx="3">
+                  <c:v>0.19</c:v>
+                </c:pt>
+              </c:numCache>
+            </c:numRef>
+          </c:val>
+          <c:smooth val="0"/>
+          <c:extLst>
+            <c:ext xmlns:c16="http://schemas.microsoft.com/office/drawing/2014/chart" uri="{C3380CC4-5D6E-409C-BE32-E72D297353CC}">
+              <c16:uniqueId val="{00000001-DED1-4D88-9AA6-44C9ABC5C598}"/>
+            </c:ext>
+          </c:extLst>
+        </c:ser>
+        <c:dLbls>
+          <c:showLegendKey val="0"/>
+          <c:showVal val="0"/>
+          <c:showCatName val="0"/>
+          <c:showSerName val="0"/>
+          <c:showPercent val="0"/>
+          <c:showBubbleSize val="0"/>
+        </c:dLbls>
+        <c:smooth val="0"/>
+        <c:axId val="1546791135"/>
+        <c:axId val="1546792383"/>
+      </c:lineChart>
+      <c:catAx>
+        <c:axId val="1546791135"/>
+        <c:scaling>
+          <c:orientation val="minMax"/>
+        </c:scaling>
+        <c:delete val="0"/>
+        <c:axPos val="b"/>
+        <c:numFmt formatCode="General" sourceLinked="1"/>
+        <c:majorTickMark val="none"/>
+        <c:minorTickMark val="none"/>
+        <c:tickLblPos val="nextTo"/>
+        <c:spPr>
+          <a:noFill/>
+          <a:ln w="9525" cap="flat" cmpd="sng" algn="ctr">
+            <a:solidFill>
+              <a:schemeClr val="tx1">
+                <a:lumMod val="15000"/>
+                <a:lumOff val="85000"/>
+              </a:schemeClr>
+            </a:solidFill>
+            <a:round/>
+          </a:ln>
+          <a:effectLst/>
+        </c:spPr>
+        <c:txPr>
+          <a:bodyPr rot="-60000000" spcFirstLastPara="1" vertOverflow="ellipsis" vert="horz" wrap="square" anchor="ctr" anchorCtr="1"/>
+          <a:lstStyle/>
+          <a:p>
+            <a:pPr>
+              <a:defRPr sz="1197" b="0" i="0" u="none" strike="noStrike" kern="1200" baseline="0">
+                <a:solidFill>
+                  <a:schemeClr val="tx1">
+                    <a:lumMod val="65000"/>
+                    <a:lumOff val="35000"/>
+                  </a:schemeClr>
+                </a:solidFill>
+                <a:latin typeface="+mn-lt"/>
+                <a:ea typeface="+mn-ea"/>
+                <a:cs typeface="+mn-cs"/>
+              </a:defRPr>
+            </a:pPr>
+            <a:endParaRPr lang="it-IT"/>
+          </a:p>
+        </c:txPr>
+        <c:crossAx val="1546792383"/>
+        <c:crosses val="autoZero"/>
+        <c:auto val="1"/>
+        <c:lblAlgn val="ctr"/>
+        <c:lblOffset val="100"/>
+        <c:noMultiLvlLbl val="0"/>
+      </c:catAx>
+      <c:valAx>
+        <c:axId val="1546792383"/>
+        <c:scaling>
+          <c:orientation val="minMax"/>
+        </c:scaling>
+        <c:delete val="0"/>
+        <c:axPos val="l"/>
+        <c:majorGridlines>
+          <c:spPr>
+            <a:ln w="9525" cap="flat" cmpd="sng" algn="ctr">
+              <a:solidFill>
+                <a:schemeClr val="tx1">
+                  <a:lumMod val="15000"/>
+                  <a:lumOff val="85000"/>
+                </a:schemeClr>
+              </a:solidFill>
+              <a:round/>
+            </a:ln>
+            <a:effectLst/>
+          </c:spPr>
+        </c:majorGridlines>
+        <c:numFmt formatCode="0.000000" sourceLinked="1"/>
+        <c:majorTickMark val="none"/>
+        <c:minorTickMark val="none"/>
+        <c:tickLblPos val="nextTo"/>
+        <c:spPr>
+          <a:noFill/>
+          <a:ln>
+            <a:noFill/>
+          </a:ln>
+          <a:effectLst/>
+        </c:spPr>
+        <c:txPr>
+          <a:bodyPr rot="-60000000" spcFirstLastPara="1" vertOverflow="ellipsis" vert="horz" wrap="square" anchor="ctr" anchorCtr="1"/>
+          <a:lstStyle/>
+          <a:p>
+            <a:pPr>
+              <a:defRPr sz="1197" b="0" i="0" u="none" strike="noStrike" kern="1200" baseline="0">
+                <a:solidFill>
+                  <a:schemeClr val="tx1">
+                    <a:lumMod val="65000"/>
+                    <a:lumOff val="35000"/>
+                  </a:schemeClr>
+                </a:solidFill>
+                <a:latin typeface="+mn-lt"/>
+                <a:ea typeface="+mn-ea"/>
+                <a:cs typeface="+mn-cs"/>
+              </a:defRPr>
+            </a:pPr>
+            <a:endParaRPr lang="it-IT"/>
+          </a:p>
+        </c:txPr>
+        <c:crossAx val="1546791135"/>
+        <c:crosses val="autoZero"/>
+        <c:crossBetween val="between"/>
+      </c:valAx>
+      <c:spPr>
+        <a:noFill/>
+        <a:ln>
+          <a:noFill/>
+        </a:ln>
+        <a:effectLst/>
+      </c:spPr>
+    </c:plotArea>
+    <c:legend>
+      <c:legendPos val="b"/>
+      <c:overlay val="0"/>
+      <c:spPr>
+        <a:noFill/>
+        <a:ln>
+          <a:noFill/>
+        </a:ln>
+        <a:effectLst/>
+      </c:spPr>
+      <c:txPr>
+        <a:bodyPr rot="0" spcFirstLastPara="1" vertOverflow="ellipsis" vert="horz" wrap="square" anchor="ctr" anchorCtr="1"/>
+        <a:lstStyle/>
+        <a:p>
+          <a:pPr>
+            <a:defRPr sz="1197" b="0" i="0" u="none" strike="noStrike" kern="1200" baseline="0">
+              <a:solidFill>
+                <a:schemeClr val="tx1">
+                  <a:lumMod val="65000"/>
+                  <a:lumOff val="35000"/>
+                </a:schemeClr>
+              </a:solidFill>
+              <a:latin typeface="+mn-lt"/>
+              <a:ea typeface="+mn-ea"/>
+              <a:cs typeface="+mn-cs"/>
+            </a:defRPr>
+          </a:pPr>
+          <a:endParaRPr lang="it-IT"/>
+        </a:p>
+      </c:txPr>
+    </c:legend>
+    <c:plotVisOnly val="1"/>
+    <c:dispBlanksAs val="gap"/>
+    <c:extLst>
+      <c:ext xmlns:c16r3="http://schemas.microsoft.com/office/drawing/2017/03/chart" uri="{56B9EC1D-385E-4148-901F-78D8002777C0}">
+        <c16r3:dataDisplayOptions16>
+          <c16r3:dispNaAsBlank val="1"/>
+        </c16r3:dataDisplayOptions16>
+      </c:ext>
+    </c:extLst>
+    <c:showDLblsOverMax val="0"/>
+  </c:chart>
+  <c:spPr>
+    <a:noFill/>
+    <a:ln>
+      <a:noFill/>
+    </a:ln>
+    <a:effectLst/>
+  </c:spPr>
+  <c:txPr>
+    <a:bodyPr/>
+    <a:lstStyle/>
+    <a:p>
+      <a:pPr>
+        <a:defRPr/>
+      </a:pPr>
+      <a:endParaRPr lang="it-IT"/>
+    </a:p>
+  </c:txPr>
+  <c:externalData r:id="rId3">
+    <c:autoUpdate val="0"/>
+  </c:externalData>
+</c:chartSpace>
+</file>
+
+<file path=ppt/charts/colors1.xml><?xml version="1.0" encoding="utf-8"?>
+<cs:colorStyle xmlns:cs="http://schemas.microsoft.com/office/drawing/2012/chartStyle" xmlns:a="http://schemas.openxmlformats.org/drawingml/2006/main" meth="cycle" id="10">
+  <a:schemeClr val="accent1"/>
+  <a:schemeClr val="accent2"/>
+  <a:schemeClr val="accent3"/>
+  <a:schemeClr val="accent4"/>
+  <a:schemeClr val="accent5"/>
+  <a:schemeClr val="accent6"/>
+  <cs:variation/>
+  <cs:variation>
+    <a:lumMod val="60000"/>
+  </cs:variation>
+  <cs:variation>
+    <a:lumMod val="80000"/>
+    <a:lumOff val="20000"/>
+  </cs:variation>
+  <cs:variation>
+    <a:lumMod val="80000"/>
+  </cs:variation>
+  <cs:variation>
+    <a:lumMod val="60000"/>
+    <a:lumOff val="40000"/>
+  </cs:variation>
+  <cs:variation>
+    <a:lumMod val="50000"/>
+  </cs:variation>
+  <cs:variation>
+    <a:lumMod val="70000"/>
+    <a:lumOff val="30000"/>
+  </cs:variation>
+  <cs:variation>
+    <a:lumMod val="70000"/>
+  </cs:variation>
+  <cs:variation>
+    <a:lumMod val="50000"/>
+    <a:lumOff val="50000"/>
+  </cs:variation>
+</cs:colorStyle>
+</file>
+
+<file path=ppt/charts/colors2.xml><?xml version="1.0" encoding="utf-8"?>
+<cs:colorStyle xmlns:cs="http://schemas.microsoft.com/office/drawing/2012/chartStyle" xmlns:a="http://schemas.openxmlformats.org/drawingml/2006/main" meth="cycle" id="10">
+  <a:schemeClr val="accent1"/>
+  <a:schemeClr val="accent2"/>
+  <a:schemeClr val="accent3"/>
+  <a:schemeClr val="accent4"/>
+  <a:schemeClr val="accent5"/>
+  <a:schemeClr val="accent6"/>
+  <cs:variation/>
+  <cs:variation>
+    <a:lumMod val="60000"/>
+  </cs:variation>
+  <cs:variation>
+    <a:lumMod val="80000"/>
+    <a:lumOff val="20000"/>
+  </cs:variation>
+  <cs:variation>
+    <a:lumMod val="80000"/>
+  </cs:variation>
+  <cs:variation>
+    <a:lumMod val="60000"/>
+    <a:lumOff val="40000"/>
+  </cs:variation>
+  <cs:variation>
+    <a:lumMod val="50000"/>
+  </cs:variation>
+  <cs:variation>
+    <a:lumMod val="70000"/>
+    <a:lumOff val="30000"/>
+  </cs:variation>
+  <cs:variation>
+    <a:lumMod val="70000"/>
+  </cs:variation>
+  <cs:variation>
+    <a:lumMod val="50000"/>
+    <a:lumOff val="50000"/>
+  </cs:variation>
+</cs:colorStyle>
+</file>
+
+<file path=ppt/charts/colors3.xml><?xml version="1.0" encoding="utf-8"?>
+<cs:colorStyle xmlns:cs="http://schemas.microsoft.com/office/drawing/2012/chartStyle" xmlns:a="http://schemas.openxmlformats.org/drawingml/2006/main" meth="cycle" id="10">
+  <a:schemeClr val="accent1"/>
+  <a:schemeClr val="accent2"/>
+  <a:schemeClr val="accent3"/>
+  <a:schemeClr val="accent4"/>
+  <a:schemeClr val="accent5"/>
+  <a:schemeClr val="accent6"/>
+  <cs:variation/>
+  <cs:variation>
+    <a:lumMod val="60000"/>
+  </cs:variation>
+  <cs:variation>
+    <a:lumMod val="80000"/>
+    <a:lumOff val="20000"/>
+  </cs:variation>
+  <cs:variation>
+    <a:lumMod val="80000"/>
+  </cs:variation>
+  <cs:variation>
+    <a:lumMod val="60000"/>
+    <a:lumOff val="40000"/>
+  </cs:variation>
+  <cs:variation>
+    <a:lumMod val="50000"/>
+  </cs:variation>
+  <cs:variation>
+    <a:lumMod val="70000"/>
+    <a:lumOff val="30000"/>
+  </cs:variation>
+  <cs:variation>
+    <a:lumMod val="70000"/>
+  </cs:variation>
+  <cs:variation>
+    <a:lumMod val="50000"/>
+    <a:lumOff val="50000"/>
+  </cs:variation>
+</cs:colorStyle>
+</file>
+
+<file path=ppt/charts/style1.xml><?xml version="1.0" encoding="utf-8"?>
+<cs:chartStyle xmlns:cs="http://schemas.microsoft.com/office/drawing/2012/chartStyle" xmlns:a="http://schemas.openxmlformats.org/drawingml/2006/main" id="201">
+  <cs:axisTitle>
+    <cs:lnRef idx="0"/>
+    <cs:fillRef idx="0"/>
+    <cs:effectRef idx="0"/>
+    <cs:fontRef idx="minor">
+      <a:schemeClr val="tx1">
+        <a:lumMod val="65000"/>
+        <a:lumOff val="35000"/>
+      </a:schemeClr>
+    </cs:fontRef>
+    <cs:defRPr sz="1330" kern="1200"/>
+  </cs:axisTitle>
+  <cs:categoryAxis>
+    <cs:lnRef idx="0"/>
+    <cs:fillRef idx="0"/>
+    <cs:effectRef idx="0"/>
+    <cs:fontRef idx="minor">
+      <a:schemeClr val="tx1">
+        <a:lumMod val="65000"/>
+        <a:lumOff val="35000"/>
+      </a:schemeClr>
+    </cs:fontRef>
+    <cs:spPr>
+      <a:ln w="9525" cap="flat" cmpd="sng" algn="ctr">
+        <a:solidFill>
+          <a:schemeClr val="tx1">
+            <a:lumMod val="15000"/>
+            <a:lumOff val="85000"/>
+          </a:schemeClr>
+        </a:solidFill>
+        <a:round/>
+      </a:ln>
+    </cs:spPr>
+    <cs:defRPr sz="1197" kern="1200"/>
+  </cs:categoryAxis>
+  <cs:chartArea mods="allowNoFillOverride allowNoLineOverride">
+    <cs:lnRef idx="0"/>
+    <cs:fillRef idx="0"/>
+    <cs:effectRef idx="0"/>
+    <cs:fontRef idx="minor">
+      <a:schemeClr val="tx1"/>
+    </cs:fontRef>
+    <cs:spPr>
+      <a:solidFill>
+        <a:schemeClr val="bg1"/>
+      </a:solidFill>
+      <a:ln w="9525" cap="flat" cmpd="sng" algn="ctr">
+        <a:solidFill>
+          <a:schemeClr val="tx1">
+            <a:lumMod val="15000"/>
+            <a:lumOff val="85000"/>
+          </a:schemeClr>
+        </a:solidFill>
+        <a:round/>
+      </a:ln>
+    </cs:spPr>
+    <cs:defRPr sz="1330" kern="1200"/>
+  </cs:chartArea>
+  <cs:dataLabel>
+    <cs:lnRef idx="0"/>
+    <cs:fillRef idx="0"/>
+    <cs:effectRef idx="0"/>
+    <cs:fontRef idx="minor">
+      <a:schemeClr val="tx1">
+        <a:lumMod val="75000"/>
+        <a:lumOff val="25000"/>
+      </a:schemeClr>
+    </cs:fontRef>
+    <cs:defRPr sz="1197" kern="1200"/>
+  </cs:dataLabel>
+  <cs:dataLabelCallout>
+    <cs:lnRef idx="0"/>
+    <cs:fillRef idx="0"/>
+    <cs:effectRef idx="0"/>
+    <cs:fontRef idx="minor">
+      <a:schemeClr val="dk1">
+        <a:lumMod val="65000"/>
+        <a:lumOff val="35000"/>
+      </a:schemeClr>
+    </cs:fontRef>
+    <cs:spPr>
+      <a:solidFill>
+        <a:schemeClr val="lt1"/>
+      </a:solidFill>
+      <a:ln>
+        <a:solidFill>
+          <a:schemeClr val="dk1">
+            <a:lumMod val="25000"/>
+            <a:lumOff val="75000"/>
+          </a:schemeClr>
+        </a:solidFill>
+      </a:ln>
+    </cs:spPr>
+    <cs:defRPr sz="1197" kern="1200"/>
+    <cs:bodyPr rot="0" spcFirstLastPara="1" vertOverflow="clip" horzOverflow="clip" vert="horz" wrap="square" lIns="36576" tIns="18288" rIns="36576" bIns="18288" anchor="ctr" anchorCtr="1">
+      <a:spAutoFit/>
+    </cs:bodyPr>
+  </cs:dataLabelCallout>
+  <cs:dataPoint>
+    <cs:lnRef idx="0"/>
+    <cs:fillRef idx="1">
+      <cs:styleClr val="auto"/>
+    </cs:fillRef>
+    <cs:effectRef idx="0"/>
+    <cs:fontRef idx="minor">
+      <a:schemeClr val="tx1"/>
+    </cs:fontRef>
+  </cs:dataPoint>
+  <cs:dataPoint3D>
+    <cs:lnRef idx="0"/>
+    <cs:fillRef idx="1">
+      <cs:styleClr val="auto"/>
+    </cs:fillRef>
+    <cs:effectRef idx="0"/>
+    <cs:fontRef idx="minor">
+      <a:schemeClr val="tx1"/>
+    </cs:fontRef>
+  </cs:dataPoint3D>
+  <cs:dataPointLine>
+    <cs:lnRef idx="0">
+      <cs:styleClr val="auto"/>
+    </cs:lnRef>
+    <cs:fillRef idx="1"/>
+    <cs:effectRef idx="0"/>
+    <cs:fontRef idx="minor">
+      <a:schemeClr val="tx1"/>
+    </cs:fontRef>
+    <cs:spPr>
+      <a:ln w="28575" cap="rnd">
+        <a:solidFill>
+          <a:schemeClr val="phClr"/>
+        </a:solidFill>
+        <a:round/>
+      </a:ln>
+    </cs:spPr>
+  </cs:dataPointLine>
+  <cs:dataPointMarker>
+    <cs:lnRef idx="0">
+      <cs:styleClr val="auto"/>
+    </cs:lnRef>
+    <cs:fillRef idx="1">
+      <cs:styleClr val="auto"/>
+    </cs:fillRef>
+    <cs:effectRef idx="0"/>
+    <cs:fontRef idx="minor">
+      <a:schemeClr val="tx1"/>
+    </cs:fontRef>
+    <cs:spPr>
+      <a:ln w="9525">
+        <a:solidFill>
+          <a:schemeClr val="phClr"/>
+        </a:solidFill>
+      </a:ln>
+    </cs:spPr>
+  </cs:dataPointMarker>
+  <cs:dataPointMarkerLayout symbol="circle" size="5"/>
+  <cs:dataPointWireframe>
+    <cs:lnRef idx="0">
+      <cs:styleClr val="auto"/>
+    </cs:lnRef>
+    <cs:fillRef idx="1"/>
+    <cs:effectRef idx="0"/>
+    <cs:fontRef idx="minor">
+      <a:schemeClr val="tx1"/>
+    </cs:fontRef>
+    <cs:spPr>
+      <a:ln w="9525" cap="rnd">
+        <a:solidFill>
+          <a:schemeClr val="phClr"/>
+        </a:solidFill>
+        <a:round/>
+      </a:ln>
+    </cs:spPr>
+  </cs:dataPointWireframe>
+  <cs:dataTable>
+    <cs:lnRef idx="0"/>
+    <cs:fillRef idx="0"/>
+    <cs:effectRef idx="0"/>
+    <cs:fontRef idx="minor">
+      <a:schemeClr val="tx1">
+        <a:lumMod val="65000"/>
+        <a:lumOff val="35000"/>
+      </a:schemeClr>
+    </cs:fontRef>
+    <cs:spPr>
+      <a:noFill/>
+      <a:ln w="9525" cap="flat" cmpd="sng" algn="ctr">
+        <a:solidFill>
+          <a:schemeClr val="tx1">
+            <a:lumMod val="15000"/>
+            <a:lumOff val="85000"/>
+          </a:schemeClr>
+        </a:solidFill>
+        <a:round/>
+      </a:ln>
+    </cs:spPr>
+    <cs:defRPr sz="1197" kern="1200"/>
+  </cs:dataTable>
+  <cs:downBar>
+    <cs:lnRef idx="0"/>
+    <cs:fillRef idx="0"/>
+    <cs:effectRef idx="0"/>
+    <cs:fontRef idx="minor">
+      <a:schemeClr val="dk1"/>
+    </cs:fontRef>
+    <cs:spPr>
+      <a:solidFill>
+        <a:schemeClr val="dk1">
+          <a:lumMod val="65000"/>
+          <a:lumOff val="35000"/>
+        </a:schemeClr>
+      </a:solidFill>
+      <a:ln w="9525">
+        <a:solidFill>
+          <a:schemeClr val="tx1">
+            <a:lumMod val="65000"/>
+            <a:lumOff val="35000"/>
+          </a:schemeClr>
+        </a:solidFill>
+      </a:ln>
+    </cs:spPr>
+  </cs:downBar>
+  <cs:dropLine>
+    <cs:lnRef idx="0"/>
+    <cs:fillRef idx="0"/>
+    <cs:effectRef idx="0"/>
+    <cs:fontRef idx="minor">
+      <a:schemeClr val="tx1"/>
+    </cs:fontRef>
+    <cs:spPr>
+      <a:ln w="9525" cap="flat" cmpd="sng" algn="ctr">
+        <a:solidFill>
+          <a:schemeClr val="tx1">
+            <a:lumMod val="35000"/>
+            <a:lumOff val="65000"/>
+          </a:schemeClr>
+        </a:solidFill>
+        <a:round/>
+      </a:ln>
+    </cs:spPr>
+  </cs:dropLine>
+  <cs:errorBar>
+    <cs:lnRef idx="0"/>
+    <cs:fillRef idx="0"/>
+    <cs:effectRef idx="0"/>
+    <cs:fontRef idx="minor">
+      <a:schemeClr val="tx1"/>
+    </cs:fontRef>
+    <cs:spPr>
+      <a:ln w="9525" cap="flat" cmpd="sng" algn="ctr">
+        <a:solidFill>
+          <a:schemeClr val="tx1">
+            <a:lumMod val="65000"/>
+            <a:lumOff val="35000"/>
+          </a:schemeClr>
+        </a:solidFill>
+        <a:round/>
+      </a:ln>
+    </cs:spPr>
+  </cs:errorBar>
+  <cs:floor>
+    <cs:lnRef idx="0"/>
+    <cs:fillRef idx="0"/>
+    <cs:effectRef idx="0"/>
+    <cs:fontRef idx="minor">
+      <a:schemeClr val="tx1"/>
+    </cs:fontRef>
+    <cs:spPr>
+      <a:noFill/>
+      <a:ln>
+        <a:noFill/>
+      </a:ln>
+    </cs:spPr>
+  </cs:floor>
+  <cs:gridlineMajor>
+    <cs:lnRef idx="0"/>
+    <cs:fillRef idx="0"/>
+    <cs:effectRef idx="0"/>
+    <cs:fontRef idx="minor">
+      <a:schemeClr val="tx1"/>
+    </cs:fontRef>
+    <cs:spPr>
+      <a:ln w="9525" cap="flat" cmpd="sng" algn="ctr">
+        <a:solidFill>
+          <a:schemeClr val="tx1">
+            <a:lumMod val="15000"/>
+            <a:lumOff val="85000"/>
+          </a:schemeClr>
+        </a:solidFill>
+        <a:round/>
+      </a:ln>
+    </cs:spPr>
+  </cs:gridlineMajor>
+  <cs:gridlineMinor>
+    <cs:lnRef idx="0"/>
+    <cs:fillRef idx="0"/>
+    <cs:effectRef idx="0"/>
+    <cs:fontRef idx="minor">
+      <a:schemeClr val="tx1"/>
+    </cs:fontRef>
+    <cs:spPr>
+      <a:ln w="9525" cap="flat" cmpd="sng" algn="ctr">
+        <a:solidFill>
+          <a:schemeClr val="tx1">
+            <a:lumMod val="5000"/>
+            <a:lumOff val="95000"/>
+          </a:schemeClr>
+        </a:solidFill>
+        <a:round/>
+      </a:ln>
+    </cs:spPr>
+  </cs:gridlineMinor>
+  <cs:hiLoLine>
+    <cs:lnRef idx="0"/>
+    <cs:fillRef idx="0"/>
+    <cs:effectRef idx="0"/>
+    <cs:fontRef idx="minor">
+      <a:schemeClr val="tx1"/>
+    </cs:fontRef>
+    <cs:spPr>
+      <a:ln w="9525" cap="flat" cmpd="sng" algn="ctr">
+        <a:solidFill>
+          <a:schemeClr val="tx1">
+            <a:lumMod val="75000"/>
+            <a:lumOff val="25000"/>
+          </a:schemeClr>
+        </a:solidFill>
+        <a:round/>
+      </a:ln>
+    </cs:spPr>
+  </cs:hiLoLine>
+  <cs:leaderLine>
+    <cs:lnRef idx="0"/>
+    <cs:fillRef idx="0"/>
+    <cs:effectRef idx="0"/>
+    <cs:fontRef idx="minor">
+      <a:schemeClr val="tx1"/>
+    </cs:fontRef>
+    <cs:spPr>
+      <a:ln w="9525" cap="flat" cmpd="sng" algn="ctr">
+        <a:solidFill>
+          <a:schemeClr val="tx1">
+            <a:lumMod val="35000"/>
+            <a:lumOff val="65000"/>
+          </a:schemeClr>
+        </a:solidFill>
+        <a:round/>
+      </a:ln>
+    </cs:spPr>
+  </cs:leaderLine>
+  <cs:legend>
+    <cs:lnRef idx="0"/>
+    <cs:fillRef idx="0"/>
+    <cs:effectRef idx="0"/>
+    <cs:fontRef idx="minor">
+      <a:schemeClr val="tx1">
+        <a:lumMod val="65000"/>
+        <a:lumOff val="35000"/>
+      </a:schemeClr>
+    </cs:fontRef>
+    <cs:defRPr sz="1197" kern="1200"/>
+  </cs:legend>
+  <cs:plotArea mods="allowNoFillOverride allowNoLineOverride">
+    <cs:lnRef idx="0"/>
+    <cs:fillRef idx="0"/>
+    <cs:effectRef idx="0"/>
+    <cs:fontRef idx="minor">
+      <a:schemeClr val="tx1"/>
+    </cs:fontRef>
+  </cs:plotArea>
+  <cs:plotArea3D mods="allowNoFillOverride allowNoLineOverride">
+    <cs:lnRef idx="0"/>
+    <cs:fillRef idx="0"/>
+    <cs:effectRef idx="0"/>
+    <cs:fontRef idx="minor">
+      <a:schemeClr val="tx1"/>
+    </cs:fontRef>
+  </cs:plotArea3D>
+  <cs:seriesAxis>
+    <cs:lnRef idx="0"/>
+    <cs:fillRef idx="0"/>
+    <cs:effectRef idx="0"/>
+    <cs:fontRef idx="minor">
+      <a:schemeClr val="tx1">
+        <a:lumMod val="65000"/>
+        <a:lumOff val="35000"/>
+      </a:schemeClr>
+    </cs:fontRef>
+    <cs:defRPr sz="1197" kern="1200"/>
+  </cs:seriesAxis>
+  <cs:seriesLine>
+    <cs:lnRef idx="0"/>
+    <cs:fillRef idx="0"/>
+    <cs:effectRef idx="0"/>
+    <cs:fontRef idx="minor">
+      <a:schemeClr val="tx1"/>
+    </cs:fontRef>
+    <cs:spPr>
+      <a:ln w="9525" cap="flat" cmpd="sng" algn="ctr">
+        <a:solidFill>
+          <a:schemeClr val="tx1">
+            <a:lumMod val="35000"/>
+            <a:lumOff val="65000"/>
+          </a:schemeClr>
+        </a:solidFill>
+        <a:round/>
+      </a:ln>
+    </cs:spPr>
+  </cs:seriesLine>
+  <cs:title>
+    <cs:lnRef idx="0"/>
+    <cs:fillRef idx="0"/>
+    <cs:effectRef idx="0"/>
+    <cs:fontRef idx="minor">
+      <a:schemeClr val="tx1">
+        <a:lumMod val="65000"/>
+        <a:lumOff val="35000"/>
+      </a:schemeClr>
+    </cs:fontRef>
+    <cs:defRPr sz="1862" b="0" kern="1200" spc="0" baseline="0"/>
+  </cs:title>
+  <cs:trendline>
+    <cs:lnRef idx="0">
+      <cs:styleClr val="auto"/>
+    </cs:lnRef>
+    <cs:fillRef idx="0"/>
+    <cs:effectRef idx="0"/>
+    <cs:fontRef idx="minor">
+      <a:schemeClr val="tx1"/>
+    </cs:fontRef>
+    <cs:spPr>
+      <a:ln w="19050" cap="rnd">
+        <a:solidFill>
+          <a:schemeClr val="phClr"/>
+        </a:solidFill>
+        <a:prstDash val="sysDot"/>
+      </a:ln>
+    </cs:spPr>
+  </cs:trendline>
+  <cs:trendlineLabel>
+    <cs:lnRef idx="0"/>
+    <cs:fillRef idx="0"/>
+    <cs:effectRef idx="0"/>
+    <cs:fontRef idx="minor">
+      <a:schemeClr val="tx1">
+        <a:lumMod val="65000"/>
+        <a:lumOff val="35000"/>
+      </a:schemeClr>
+    </cs:fontRef>
+    <cs:defRPr sz="1197" kern="1200"/>
+  </cs:trendlineLabel>
+  <cs:upBar>
+    <cs:lnRef idx="0"/>
+    <cs:fillRef idx="0"/>
+    <cs:effectRef idx="0"/>
+    <cs:fontRef idx="minor">
+      <a:schemeClr val="dk1"/>
+    </cs:fontRef>
+    <cs:spPr>
+      <a:solidFill>
+        <a:schemeClr val="lt1"/>
+      </a:solidFill>
+      <a:ln w="9525">
+        <a:solidFill>
+          <a:schemeClr val="tx1">
+            <a:lumMod val="15000"/>
+            <a:lumOff val="85000"/>
+          </a:schemeClr>
+        </a:solidFill>
+      </a:ln>
+    </cs:spPr>
+  </cs:upBar>
+  <cs:valueAxis>
+    <cs:lnRef idx="0"/>
+    <cs:fillRef idx="0"/>
+    <cs:effectRef idx="0"/>
+    <cs:fontRef idx="minor">
+      <a:schemeClr val="tx1">
+        <a:lumMod val="65000"/>
+        <a:lumOff val="35000"/>
+      </a:schemeClr>
+    </cs:fontRef>
+    <cs:defRPr sz="1197" kern="1200"/>
+  </cs:valueAxis>
+  <cs:wall>
+    <cs:lnRef idx="0"/>
+    <cs:fillRef idx="0"/>
+    <cs:effectRef idx="0"/>
+    <cs:fontRef idx="minor">
+      <a:schemeClr val="tx1"/>
+    </cs:fontRef>
+    <cs:spPr>
+      <a:noFill/>
+      <a:ln>
+        <a:noFill/>
+      </a:ln>
+    </cs:spPr>
+  </cs:wall>
+</cs:chartStyle>
+</file>
+
+<file path=ppt/charts/style2.xml><?xml version="1.0" encoding="utf-8"?>
+<cs:chartStyle xmlns:cs="http://schemas.microsoft.com/office/drawing/2012/chartStyle" xmlns:a="http://schemas.openxmlformats.org/drawingml/2006/main" id="201">
+  <cs:axisTitle>
+    <cs:lnRef idx="0"/>
+    <cs:fillRef idx="0"/>
+    <cs:effectRef idx="0"/>
+    <cs:fontRef idx="minor">
+      <a:schemeClr val="tx1">
+        <a:lumMod val="65000"/>
+        <a:lumOff val="35000"/>
+      </a:schemeClr>
+    </cs:fontRef>
+    <cs:defRPr sz="1330" kern="1200"/>
+  </cs:axisTitle>
+  <cs:categoryAxis>
+    <cs:lnRef idx="0"/>
+    <cs:fillRef idx="0"/>
+    <cs:effectRef idx="0"/>
+    <cs:fontRef idx="minor">
+      <a:schemeClr val="tx1">
+        <a:lumMod val="65000"/>
+        <a:lumOff val="35000"/>
+      </a:schemeClr>
+    </cs:fontRef>
+    <cs:spPr>
+      <a:ln w="9525" cap="flat" cmpd="sng" algn="ctr">
+        <a:solidFill>
+          <a:schemeClr val="tx1">
+            <a:lumMod val="15000"/>
+            <a:lumOff val="85000"/>
+          </a:schemeClr>
+        </a:solidFill>
+        <a:round/>
+      </a:ln>
+    </cs:spPr>
+    <cs:defRPr sz="1197" kern="1200"/>
+  </cs:categoryAxis>
+  <cs:chartArea mods="allowNoFillOverride allowNoLineOverride">
+    <cs:lnRef idx="0"/>
+    <cs:fillRef idx="0"/>
+    <cs:effectRef idx="0"/>
+    <cs:fontRef idx="minor">
+      <a:schemeClr val="tx1"/>
+    </cs:fontRef>
+    <cs:spPr>
+      <a:solidFill>
+        <a:schemeClr val="bg1"/>
+      </a:solidFill>
+      <a:ln w="9525" cap="flat" cmpd="sng" algn="ctr">
+        <a:solidFill>
+          <a:schemeClr val="tx1">
+            <a:lumMod val="15000"/>
+            <a:lumOff val="85000"/>
+          </a:schemeClr>
+        </a:solidFill>
+        <a:round/>
+      </a:ln>
+    </cs:spPr>
+    <cs:defRPr sz="1330" kern="1200"/>
+  </cs:chartArea>
+  <cs:dataLabel>
+    <cs:lnRef idx="0"/>
+    <cs:fillRef idx="0"/>
+    <cs:effectRef idx="0"/>
+    <cs:fontRef idx="minor">
+      <a:schemeClr val="tx1">
+        <a:lumMod val="75000"/>
+        <a:lumOff val="25000"/>
+      </a:schemeClr>
+    </cs:fontRef>
+    <cs:defRPr sz="1197" kern="1200"/>
+  </cs:dataLabel>
+  <cs:dataLabelCallout>
+    <cs:lnRef idx="0"/>
+    <cs:fillRef idx="0"/>
+    <cs:effectRef idx="0"/>
+    <cs:fontRef idx="minor">
+      <a:schemeClr val="dk1">
+        <a:lumMod val="65000"/>
+        <a:lumOff val="35000"/>
+      </a:schemeClr>
+    </cs:fontRef>
+    <cs:spPr>
+      <a:solidFill>
+        <a:schemeClr val="lt1"/>
+      </a:solidFill>
+      <a:ln>
+        <a:solidFill>
+          <a:schemeClr val="dk1">
+            <a:lumMod val="25000"/>
+            <a:lumOff val="75000"/>
+          </a:schemeClr>
+        </a:solidFill>
+      </a:ln>
+    </cs:spPr>
+    <cs:defRPr sz="1197" kern="1200"/>
+    <cs:bodyPr rot="0" spcFirstLastPara="1" vertOverflow="clip" horzOverflow="clip" vert="horz" wrap="square" lIns="36576" tIns="18288" rIns="36576" bIns="18288" anchor="ctr" anchorCtr="1">
+      <a:spAutoFit/>
+    </cs:bodyPr>
+  </cs:dataLabelCallout>
+  <cs:dataPoint>
+    <cs:lnRef idx="0"/>
+    <cs:fillRef idx="1">
+      <cs:styleClr val="auto"/>
+    </cs:fillRef>
+    <cs:effectRef idx="0"/>
+    <cs:fontRef idx="minor">
+      <a:schemeClr val="tx1"/>
+    </cs:fontRef>
+  </cs:dataPoint>
+  <cs:dataPoint3D>
+    <cs:lnRef idx="0"/>
+    <cs:fillRef idx="1">
+      <cs:styleClr val="auto"/>
+    </cs:fillRef>
+    <cs:effectRef idx="0"/>
+    <cs:fontRef idx="minor">
+      <a:schemeClr val="tx1"/>
+    </cs:fontRef>
+  </cs:dataPoint3D>
+  <cs:dataPointLine>
+    <cs:lnRef idx="0">
+      <cs:styleClr val="auto"/>
+    </cs:lnRef>
+    <cs:fillRef idx="1"/>
+    <cs:effectRef idx="0"/>
+    <cs:fontRef idx="minor">
+      <a:schemeClr val="tx1"/>
+    </cs:fontRef>
+    <cs:spPr>
+      <a:ln w="28575" cap="rnd">
+        <a:solidFill>
+          <a:schemeClr val="phClr"/>
+        </a:solidFill>
+        <a:round/>
+      </a:ln>
+    </cs:spPr>
+  </cs:dataPointLine>
+  <cs:dataPointMarker>
+    <cs:lnRef idx="0">
+      <cs:styleClr val="auto"/>
+    </cs:lnRef>
+    <cs:fillRef idx="1">
+      <cs:styleClr val="auto"/>
+    </cs:fillRef>
+    <cs:effectRef idx="0"/>
+    <cs:fontRef idx="minor">
+      <a:schemeClr val="tx1"/>
+    </cs:fontRef>
+    <cs:spPr>
+      <a:ln w="9525">
+        <a:solidFill>
+          <a:schemeClr val="phClr"/>
+        </a:solidFill>
+      </a:ln>
+    </cs:spPr>
+  </cs:dataPointMarker>
+  <cs:dataPointMarkerLayout symbol="circle" size="5"/>
+  <cs:dataPointWireframe>
+    <cs:lnRef idx="0">
+      <cs:styleClr val="auto"/>
+    </cs:lnRef>
+    <cs:fillRef idx="1"/>
+    <cs:effectRef idx="0"/>
+    <cs:fontRef idx="minor">
+      <a:schemeClr val="tx1"/>
+    </cs:fontRef>
+    <cs:spPr>
+      <a:ln w="9525" cap="rnd">
+        <a:solidFill>
+          <a:schemeClr val="phClr"/>
+        </a:solidFill>
+        <a:round/>
+      </a:ln>
+    </cs:spPr>
+  </cs:dataPointWireframe>
+  <cs:dataTable>
+    <cs:lnRef idx="0"/>
+    <cs:fillRef idx="0"/>
+    <cs:effectRef idx="0"/>
+    <cs:fontRef idx="minor">
+      <a:schemeClr val="tx1">
+        <a:lumMod val="65000"/>
+        <a:lumOff val="35000"/>
+      </a:schemeClr>
+    </cs:fontRef>
+    <cs:spPr>
+      <a:noFill/>
+      <a:ln w="9525" cap="flat" cmpd="sng" algn="ctr">
+        <a:solidFill>
+          <a:schemeClr val="tx1">
+            <a:lumMod val="15000"/>
+            <a:lumOff val="85000"/>
+          </a:schemeClr>
+        </a:solidFill>
+        <a:round/>
+      </a:ln>
+    </cs:spPr>
+    <cs:defRPr sz="1197" kern="1200"/>
+  </cs:dataTable>
+  <cs:downBar>
+    <cs:lnRef idx="0"/>
+    <cs:fillRef idx="0"/>
+    <cs:effectRef idx="0"/>
+    <cs:fontRef idx="minor">
+      <a:schemeClr val="dk1"/>
+    </cs:fontRef>
+    <cs:spPr>
+      <a:solidFill>
+        <a:schemeClr val="dk1">
+          <a:lumMod val="65000"/>
+          <a:lumOff val="35000"/>
+        </a:schemeClr>
+      </a:solidFill>
+      <a:ln w="9525">
+        <a:solidFill>
+          <a:schemeClr val="tx1">
+            <a:lumMod val="65000"/>
+            <a:lumOff val="35000"/>
+          </a:schemeClr>
+        </a:solidFill>
+      </a:ln>
+    </cs:spPr>
+  </cs:downBar>
+  <cs:dropLine>
+    <cs:lnRef idx="0"/>
+    <cs:fillRef idx="0"/>
+    <cs:effectRef idx="0"/>
+    <cs:fontRef idx="minor">
+      <a:schemeClr val="tx1"/>
+    </cs:fontRef>
+    <cs:spPr>
+      <a:ln w="9525" cap="flat" cmpd="sng" algn="ctr">
+        <a:solidFill>
+          <a:schemeClr val="tx1">
+            <a:lumMod val="35000"/>
+            <a:lumOff val="65000"/>
+          </a:schemeClr>
+        </a:solidFill>
+        <a:round/>
+      </a:ln>
+    </cs:spPr>
+  </cs:dropLine>
+  <cs:errorBar>
+    <cs:lnRef idx="0"/>
+    <cs:fillRef idx="0"/>
+    <cs:effectRef idx="0"/>
+    <cs:fontRef idx="minor">
+      <a:schemeClr val="tx1"/>
+    </cs:fontRef>
+    <cs:spPr>
+      <a:ln w="9525" cap="flat" cmpd="sng" algn="ctr">
+        <a:solidFill>
+          <a:schemeClr val="tx1">
+            <a:lumMod val="65000"/>
+            <a:lumOff val="35000"/>
+          </a:schemeClr>
+        </a:solidFill>
+        <a:round/>
+      </a:ln>
+    </cs:spPr>
+  </cs:errorBar>
+  <cs:floor>
+    <cs:lnRef idx="0"/>
+    <cs:fillRef idx="0"/>
+    <cs:effectRef idx="0"/>
+    <cs:fontRef idx="minor">
+      <a:schemeClr val="tx1"/>
+    </cs:fontRef>
+    <cs:spPr>
+      <a:noFill/>
+      <a:ln>
+        <a:noFill/>
+      </a:ln>
+    </cs:spPr>
+  </cs:floor>
+  <cs:gridlineMajor>
+    <cs:lnRef idx="0"/>
+    <cs:fillRef idx="0"/>
+    <cs:effectRef idx="0"/>
+    <cs:fontRef idx="minor">
+      <a:schemeClr val="tx1"/>
+    </cs:fontRef>
+    <cs:spPr>
+      <a:ln w="9525" cap="flat" cmpd="sng" algn="ctr">
+        <a:solidFill>
+          <a:schemeClr val="tx1">
+            <a:lumMod val="15000"/>
+            <a:lumOff val="85000"/>
+          </a:schemeClr>
+        </a:solidFill>
+        <a:round/>
+      </a:ln>
+    </cs:spPr>
+  </cs:gridlineMajor>
+  <cs:gridlineMinor>
+    <cs:lnRef idx="0"/>
+    <cs:fillRef idx="0"/>
+    <cs:effectRef idx="0"/>
+    <cs:fontRef idx="minor">
+      <a:schemeClr val="tx1"/>
+    </cs:fontRef>
+    <cs:spPr>
+      <a:ln w="9525" cap="flat" cmpd="sng" algn="ctr">
+        <a:solidFill>
+          <a:schemeClr val="tx1">
+            <a:lumMod val="5000"/>
+            <a:lumOff val="95000"/>
+          </a:schemeClr>
+        </a:solidFill>
+        <a:round/>
+      </a:ln>
+    </cs:spPr>
+  </cs:gridlineMinor>
+  <cs:hiLoLine>
+    <cs:lnRef idx="0"/>
+    <cs:fillRef idx="0"/>
+    <cs:effectRef idx="0"/>
+    <cs:fontRef idx="minor">
+      <a:schemeClr val="tx1"/>
+    </cs:fontRef>
+    <cs:spPr>
+      <a:ln w="9525" cap="flat" cmpd="sng" algn="ctr">
+        <a:solidFill>
+          <a:schemeClr val="tx1">
+            <a:lumMod val="75000"/>
+            <a:lumOff val="25000"/>
+          </a:schemeClr>
+        </a:solidFill>
+        <a:round/>
+      </a:ln>
+    </cs:spPr>
+  </cs:hiLoLine>
+  <cs:leaderLine>
+    <cs:lnRef idx="0"/>
+    <cs:fillRef idx="0"/>
+    <cs:effectRef idx="0"/>
+    <cs:fontRef idx="minor">
+      <a:schemeClr val="tx1"/>
+    </cs:fontRef>
+    <cs:spPr>
+      <a:ln w="9525" cap="flat" cmpd="sng" algn="ctr">
+        <a:solidFill>
+          <a:schemeClr val="tx1">
+            <a:lumMod val="35000"/>
+            <a:lumOff val="65000"/>
+          </a:schemeClr>
+        </a:solidFill>
+        <a:round/>
+      </a:ln>
+    </cs:spPr>
+  </cs:leaderLine>
+  <cs:legend>
+    <cs:lnRef idx="0"/>
+    <cs:fillRef idx="0"/>
+    <cs:effectRef idx="0"/>
+    <cs:fontRef idx="minor">
+      <a:schemeClr val="tx1">
+        <a:lumMod val="65000"/>
+        <a:lumOff val="35000"/>
+      </a:schemeClr>
+    </cs:fontRef>
+    <cs:defRPr sz="1197" kern="1200"/>
+  </cs:legend>
+  <cs:plotArea mods="allowNoFillOverride allowNoLineOverride">
+    <cs:lnRef idx="0"/>
+    <cs:fillRef idx="0"/>
+    <cs:effectRef idx="0"/>
+    <cs:fontRef idx="minor">
+      <a:schemeClr val="tx1"/>
+    </cs:fontRef>
+  </cs:plotArea>
+  <cs:plotArea3D mods="allowNoFillOverride allowNoLineOverride">
+    <cs:lnRef idx="0"/>
+    <cs:fillRef idx="0"/>
+    <cs:effectRef idx="0"/>
+    <cs:fontRef idx="minor">
+      <a:schemeClr val="tx1"/>
+    </cs:fontRef>
+  </cs:plotArea3D>
+  <cs:seriesAxis>
+    <cs:lnRef idx="0"/>
+    <cs:fillRef idx="0"/>
+    <cs:effectRef idx="0"/>
+    <cs:fontRef idx="minor">
+      <a:schemeClr val="tx1">
+        <a:lumMod val="65000"/>
+        <a:lumOff val="35000"/>
+      </a:schemeClr>
+    </cs:fontRef>
+    <cs:defRPr sz="1197" kern="1200"/>
+  </cs:seriesAxis>
+  <cs:seriesLine>
+    <cs:lnRef idx="0"/>
+    <cs:fillRef idx="0"/>
+    <cs:effectRef idx="0"/>
+    <cs:fontRef idx="minor">
+      <a:schemeClr val="tx1"/>
+    </cs:fontRef>
+    <cs:spPr>
+      <a:ln w="9525" cap="flat" cmpd="sng" algn="ctr">
+        <a:solidFill>
+          <a:schemeClr val="tx1">
+            <a:lumMod val="35000"/>
+            <a:lumOff val="65000"/>
+          </a:schemeClr>
+        </a:solidFill>
+        <a:round/>
+      </a:ln>
+    </cs:spPr>
+  </cs:seriesLine>
+  <cs:title>
+    <cs:lnRef idx="0"/>
+    <cs:fillRef idx="0"/>
+    <cs:effectRef idx="0"/>
+    <cs:fontRef idx="minor">
+      <a:schemeClr val="tx1">
+        <a:lumMod val="65000"/>
+        <a:lumOff val="35000"/>
+      </a:schemeClr>
+    </cs:fontRef>
+    <cs:defRPr sz="1862" b="0" kern="1200" spc="0" baseline="0"/>
+  </cs:title>
+  <cs:trendline>
+    <cs:lnRef idx="0">
+      <cs:styleClr val="auto"/>
+    </cs:lnRef>
+    <cs:fillRef idx="0"/>
+    <cs:effectRef idx="0"/>
+    <cs:fontRef idx="minor">
+      <a:schemeClr val="tx1"/>
+    </cs:fontRef>
+    <cs:spPr>
+      <a:ln w="19050" cap="rnd">
+        <a:solidFill>
+          <a:schemeClr val="phClr"/>
+        </a:solidFill>
+        <a:prstDash val="sysDot"/>
+      </a:ln>
+    </cs:spPr>
+  </cs:trendline>
+  <cs:trendlineLabel>
+    <cs:lnRef idx="0"/>
+    <cs:fillRef idx="0"/>
+    <cs:effectRef idx="0"/>
+    <cs:fontRef idx="minor">
+      <a:schemeClr val="tx1">
+        <a:lumMod val="65000"/>
+        <a:lumOff val="35000"/>
+      </a:schemeClr>
+    </cs:fontRef>
+    <cs:defRPr sz="1197" kern="1200"/>
+  </cs:trendlineLabel>
+  <cs:upBar>
+    <cs:lnRef idx="0"/>
+    <cs:fillRef idx="0"/>
+    <cs:effectRef idx="0"/>
+    <cs:fontRef idx="minor">
+      <a:schemeClr val="dk1"/>
+    </cs:fontRef>
+    <cs:spPr>
+      <a:solidFill>
+        <a:schemeClr val="lt1"/>
+      </a:solidFill>
+      <a:ln w="9525">
+        <a:solidFill>
+          <a:schemeClr val="tx1">
+            <a:lumMod val="15000"/>
+            <a:lumOff val="85000"/>
+          </a:schemeClr>
+        </a:solidFill>
+      </a:ln>
+    </cs:spPr>
+  </cs:upBar>
+  <cs:valueAxis>
+    <cs:lnRef idx="0"/>
+    <cs:fillRef idx="0"/>
+    <cs:effectRef idx="0"/>
+    <cs:fontRef idx="minor">
+      <a:schemeClr val="tx1">
+        <a:lumMod val="65000"/>
+        <a:lumOff val="35000"/>
+      </a:schemeClr>
+    </cs:fontRef>
+    <cs:defRPr sz="1197" kern="1200"/>
+  </cs:valueAxis>
+  <cs:wall>
+    <cs:lnRef idx="0"/>
+    <cs:fillRef idx="0"/>
+    <cs:effectRef idx="0"/>
+    <cs:fontRef idx="minor">
+      <a:schemeClr val="tx1"/>
+    </cs:fontRef>
+    <cs:spPr>
+      <a:noFill/>
+      <a:ln>
+        <a:noFill/>
+      </a:ln>
+    </cs:spPr>
+  </cs:wall>
+</cs:chartStyle>
+</file>
+
+<file path=ppt/charts/style3.xml><?xml version="1.0" encoding="utf-8"?>
+<cs:chartStyle xmlns:cs="http://schemas.microsoft.com/office/drawing/2012/chartStyle" xmlns:a="http://schemas.openxmlformats.org/drawingml/2006/main" id="201">
+  <cs:axisTitle>
+    <cs:lnRef idx="0"/>
+    <cs:fillRef idx="0"/>
+    <cs:effectRef idx="0"/>
+    <cs:fontRef idx="minor">
+      <a:schemeClr val="tx1">
+        <a:lumMod val="65000"/>
+        <a:lumOff val="35000"/>
+      </a:schemeClr>
+    </cs:fontRef>
+    <cs:defRPr sz="1330" kern="1200"/>
+  </cs:axisTitle>
+  <cs:categoryAxis>
+    <cs:lnRef idx="0"/>
+    <cs:fillRef idx="0"/>
+    <cs:effectRef idx="0"/>
+    <cs:fontRef idx="minor">
+      <a:schemeClr val="tx1">
+        <a:lumMod val="65000"/>
+        <a:lumOff val="35000"/>
+      </a:schemeClr>
+    </cs:fontRef>
+    <cs:spPr>
+      <a:ln w="9525" cap="flat" cmpd="sng" algn="ctr">
+        <a:solidFill>
+          <a:schemeClr val="tx1">
+            <a:lumMod val="15000"/>
+            <a:lumOff val="85000"/>
+          </a:schemeClr>
+        </a:solidFill>
+        <a:round/>
+      </a:ln>
+    </cs:spPr>
+    <cs:defRPr sz="1197" kern="1200"/>
+  </cs:categoryAxis>
+  <cs:chartArea mods="allowNoFillOverride allowNoLineOverride">
+    <cs:lnRef idx="0"/>
+    <cs:fillRef idx="0"/>
+    <cs:effectRef idx="0"/>
+    <cs:fontRef idx="minor">
+      <a:schemeClr val="tx1"/>
+    </cs:fontRef>
+    <cs:spPr>
+      <a:solidFill>
+        <a:schemeClr val="bg1"/>
+      </a:solidFill>
+      <a:ln w="9525" cap="flat" cmpd="sng" algn="ctr">
+        <a:solidFill>
+          <a:schemeClr val="tx1">
+            <a:lumMod val="15000"/>
+            <a:lumOff val="85000"/>
+          </a:schemeClr>
+        </a:solidFill>
+        <a:round/>
+      </a:ln>
+    </cs:spPr>
+    <cs:defRPr sz="1330" kern="1200"/>
+  </cs:chartArea>
+  <cs:dataLabel>
+    <cs:lnRef idx="0"/>
+    <cs:fillRef idx="0"/>
+    <cs:effectRef idx="0"/>
+    <cs:fontRef idx="minor">
+      <a:schemeClr val="tx1">
+        <a:lumMod val="75000"/>
+        <a:lumOff val="25000"/>
+      </a:schemeClr>
+    </cs:fontRef>
+    <cs:defRPr sz="1197" kern="1200"/>
+  </cs:dataLabel>
+  <cs:dataLabelCallout>
+    <cs:lnRef idx="0"/>
+    <cs:fillRef idx="0"/>
+    <cs:effectRef idx="0"/>
+    <cs:fontRef idx="minor">
+      <a:schemeClr val="dk1">
+        <a:lumMod val="65000"/>
+        <a:lumOff val="35000"/>
+      </a:schemeClr>
+    </cs:fontRef>
+    <cs:spPr>
+      <a:solidFill>
+        <a:schemeClr val="lt1"/>
+      </a:solidFill>
+      <a:ln>
+        <a:solidFill>
+          <a:schemeClr val="dk1">
+            <a:lumMod val="25000"/>
+            <a:lumOff val="75000"/>
+          </a:schemeClr>
+        </a:solidFill>
+      </a:ln>
+    </cs:spPr>
+    <cs:defRPr sz="1197" kern="1200"/>
+    <cs:bodyPr rot="0" spcFirstLastPara="1" vertOverflow="clip" horzOverflow="clip" vert="horz" wrap="square" lIns="36576" tIns="18288" rIns="36576" bIns="18288" anchor="ctr" anchorCtr="1">
+      <a:spAutoFit/>
+    </cs:bodyPr>
+  </cs:dataLabelCallout>
+  <cs:dataPoint>
+    <cs:lnRef idx="0"/>
+    <cs:fillRef idx="1">
+      <cs:styleClr val="auto"/>
+    </cs:fillRef>
+    <cs:effectRef idx="0"/>
+    <cs:fontRef idx="minor">
+      <a:schemeClr val="tx1"/>
+    </cs:fontRef>
+  </cs:dataPoint>
+  <cs:dataPoint3D>
+    <cs:lnRef idx="0"/>
+    <cs:fillRef idx="1">
+      <cs:styleClr val="auto"/>
+    </cs:fillRef>
+    <cs:effectRef idx="0"/>
+    <cs:fontRef idx="minor">
+      <a:schemeClr val="tx1"/>
+    </cs:fontRef>
+  </cs:dataPoint3D>
+  <cs:dataPointLine>
+    <cs:lnRef idx="0">
+      <cs:styleClr val="auto"/>
+    </cs:lnRef>
+    <cs:fillRef idx="1"/>
+    <cs:effectRef idx="0"/>
+    <cs:fontRef idx="minor">
+      <a:schemeClr val="tx1"/>
+    </cs:fontRef>
+    <cs:spPr>
+      <a:ln w="28575" cap="rnd">
+        <a:solidFill>
+          <a:schemeClr val="phClr"/>
+        </a:solidFill>
+        <a:round/>
+      </a:ln>
+    </cs:spPr>
+  </cs:dataPointLine>
+  <cs:dataPointMarker>
+    <cs:lnRef idx="0">
+      <cs:styleClr val="auto"/>
+    </cs:lnRef>
+    <cs:fillRef idx="1">
+      <cs:styleClr val="auto"/>
+    </cs:fillRef>
+    <cs:effectRef idx="0"/>
+    <cs:fontRef idx="minor">
+      <a:schemeClr val="tx1"/>
+    </cs:fontRef>
+    <cs:spPr>
+      <a:ln w="9525">
+        <a:solidFill>
+          <a:schemeClr val="phClr"/>
+        </a:solidFill>
+      </a:ln>
+    </cs:spPr>
+  </cs:dataPointMarker>
+  <cs:dataPointMarkerLayout symbol="circle" size="5"/>
+  <cs:dataPointWireframe>
+    <cs:lnRef idx="0">
+      <cs:styleClr val="auto"/>
+    </cs:lnRef>
+    <cs:fillRef idx="1"/>
+    <cs:effectRef idx="0"/>
+    <cs:fontRef idx="minor">
+      <a:schemeClr val="tx1"/>
+    </cs:fontRef>
+    <cs:spPr>
+      <a:ln w="9525" cap="rnd">
+        <a:solidFill>
+          <a:schemeClr val="phClr"/>
+        </a:solidFill>
+        <a:round/>
+      </a:ln>
+    </cs:spPr>
+  </cs:dataPointWireframe>
+  <cs:dataTable>
+    <cs:lnRef idx="0"/>
+    <cs:fillRef idx="0"/>
+    <cs:effectRef idx="0"/>
+    <cs:fontRef idx="minor">
+      <a:schemeClr val="tx1">
+        <a:lumMod val="65000"/>
+        <a:lumOff val="35000"/>
+      </a:schemeClr>
+    </cs:fontRef>
+    <cs:spPr>
+      <a:noFill/>
+      <a:ln w="9525" cap="flat" cmpd="sng" algn="ctr">
+        <a:solidFill>
+          <a:schemeClr val="tx1">
+            <a:lumMod val="15000"/>
+            <a:lumOff val="85000"/>
+          </a:schemeClr>
+        </a:solidFill>
+        <a:round/>
+      </a:ln>
+    </cs:spPr>
+    <cs:defRPr sz="1197" kern="1200"/>
+  </cs:dataTable>
+  <cs:downBar>
+    <cs:lnRef idx="0"/>
+    <cs:fillRef idx="0"/>
+    <cs:effectRef idx="0"/>
+    <cs:fontRef idx="minor">
+      <a:schemeClr val="dk1"/>
+    </cs:fontRef>
+    <cs:spPr>
+      <a:solidFill>
+        <a:schemeClr val="dk1">
+          <a:lumMod val="65000"/>
+          <a:lumOff val="35000"/>
+        </a:schemeClr>
+      </a:solidFill>
+      <a:ln w="9525">
+        <a:solidFill>
+          <a:schemeClr val="tx1">
+            <a:lumMod val="65000"/>
+            <a:lumOff val="35000"/>
+          </a:schemeClr>
+        </a:solidFill>
+      </a:ln>
+    </cs:spPr>
+  </cs:downBar>
+  <cs:dropLine>
+    <cs:lnRef idx="0"/>
+    <cs:fillRef idx="0"/>
+    <cs:effectRef idx="0"/>
+    <cs:fontRef idx="minor">
+      <a:schemeClr val="tx1"/>
+    </cs:fontRef>
+    <cs:spPr>
+      <a:ln w="9525" cap="flat" cmpd="sng" algn="ctr">
+        <a:solidFill>
+          <a:schemeClr val="tx1">
+            <a:lumMod val="35000"/>
+            <a:lumOff val="65000"/>
+          </a:schemeClr>
+        </a:solidFill>
+        <a:round/>
+      </a:ln>
+    </cs:spPr>
+  </cs:dropLine>
+  <cs:errorBar>
+    <cs:lnRef idx="0"/>
+    <cs:fillRef idx="0"/>
+    <cs:effectRef idx="0"/>
+    <cs:fontRef idx="minor">
+      <a:schemeClr val="tx1"/>
+    </cs:fontRef>
+    <cs:spPr>
+      <a:ln w="9525" cap="flat" cmpd="sng" algn="ctr">
+        <a:solidFill>
+          <a:schemeClr val="tx1">
+            <a:lumMod val="65000"/>
+            <a:lumOff val="35000"/>
+          </a:schemeClr>
+        </a:solidFill>
+        <a:round/>
+      </a:ln>
+    </cs:spPr>
+  </cs:errorBar>
+  <cs:floor>
+    <cs:lnRef idx="0"/>
+    <cs:fillRef idx="0"/>
+    <cs:effectRef idx="0"/>
+    <cs:fontRef idx="minor">
+      <a:schemeClr val="tx1"/>
+    </cs:fontRef>
+    <cs:spPr>
+      <a:noFill/>
+      <a:ln>
+        <a:noFill/>
+      </a:ln>
+    </cs:spPr>
+  </cs:floor>
+  <cs:gridlineMajor>
+    <cs:lnRef idx="0"/>
+    <cs:fillRef idx="0"/>
+    <cs:effectRef idx="0"/>
+    <cs:fontRef idx="minor">
+      <a:schemeClr val="tx1"/>
+    </cs:fontRef>
+    <cs:spPr>
+      <a:ln w="9525" cap="flat" cmpd="sng" algn="ctr">
+        <a:solidFill>
+          <a:schemeClr val="tx1">
+            <a:lumMod val="15000"/>
+            <a:lumOff val="85000"/>
+          </a:schemeClr>
+        </a:solidFill>
+        <a:round/>
+      </a:ln>
+    </cs:spPr>
+  </cs:gridlineMajor>
+  <cs:gridlineMinor>
+    <cs:lnRef idx="0"/>
+    <cs:fillRef idx="0"/>
+    <cs:effectRef idx="0"/>
+    <cs:fontRef idx="minor">
+      <a:schemeClr val="tx1"/>
+    </cs:fontRef>
+    <cs:spPr>
+      <a:ln w="9525" cap="flat" cmpd="sng" algn="ctr">
+        <a:solidFill>
+          <a:schemeClr val="tx1">
+            <a:lumMod val="5000"/>
+            <a:lumOff val="95000"/>
+          </a:schemeClr>
+        </a:solidFill>
+        <a:round/>
+      </a:ln>
+    </cs:spPr>
+  </cs:gridlineMinor>
+  <cs:hiLoLine>
+    <cs:lnRef idx="0"/>
+    <cs:fillRef idx="0"/>
+    <cs:effectRef idx="0"/>
+    <cs:fontRef idx="minor">
+      <a:schemeClr val="tx1"/>
+    </cs:fontRef>
+    <cs:spPr>
+      <a:ln w="9525" cap="flat" cmpd="sng" algn="ctr">
+        <a:solidFill>
+          <a:schemeClr val="tx1">
+            <a:lumMod val="75000"/>
+            <a:lumOff val="25000"/>
+          </a:schemeClr>
+        </a:solidFill>
+        <a:round/>
+      </a:ln>
+    </cs:spPr>
+  </cs:hiLoLine>
+  <cs:leaderLine>
+    <cs:lnRef idx="0"/>
+    <cs:fillRef idx="0"/>
+    <cs:effectRef idx="0"/>
+    <cs:fontRef idx="minor">
+      <a:schemeClr val="tx1"/>
+    </cs:fontRef>
+    <cs:spPr>
+      <a:ln w="9525" cap="flat" cmpd="sng" algn="ctr">
+        <a:solidFill>
+          <a:schemeClr val="tx1">
+            <a:lumMod val="35000"/>
+            <a:lumOff val="65000"/>
+          </a:schemeClr>
+        </a:solidFill>
+        <a:round/>
+      </a:ln>
+    </cs:spPr>
+  </cs:leaderLine>
+  <cs:legend>
+    <cs:lnRef idx="0"/>
+    <cs:fillRef idx="0"/>
+    <cs:effectRef idx="0"/>
+    <cs:fontRef idx="minor">
+      <a:schemeClr val="tx1">
+        <a:lumMod val="65000"/>
+        <a:lumOff val="35000"/>
+      </a:schemeClr>
+    </cs:fontRef>
+    <cs:defRPr sz="1197" kern="1200"/>
+  </cs:legend>
+  <cs:plotArea mods="allowNoFillOverride allowNoLineOverride">
+    <cs:lnRef idx="0"/>
+    <cs:fillRef idx="0"/>
+    <cs:effectRef idx="0"/>
+    <cs:fontRef idx="minor">
+      <a:schemeClr val="tx1"/>
+    </cs:fontRef>
+  </cs:plotArea>
+  <cs:plotArea3D mods="allowNoFillOverride allowNoLineOverride">
+    <cs:lnRef idx="0"/>
+    <cs:fillRef idx="0"/>
+    <cs:effectRef idx="0"/>
+    <cs:fontRef idx="minor">
+      <a:schemeClr val="tx1"/>
+    </cs:fontRef>
+  </cs:plotArea3D>
+  <cs:seriesAxis>
+    <cs:lnRef idx="0"/>
+    <cs:fillRef idx="0"/>
+    <cs:effectRef idx="0"/>
+    <cs:fontRef idx="minor">
+      <a:schemeClr val="tx1">
+        <a:lumMod val="65000"/>
+        <a:lumOff val="35000"/>
+      </a:schemeClr>
+    </cs:fontRef>
+    <cs:defRPr sz="1197" kern="1200"/>
+  </cs:seriesAxis>
+  <cs:seriesLine>
+    <cs:lnRef idx="0"/>
+    <cs:fillRef idx="0"/>
+    <cs:effectRef idx="0"/>
+    <cs:fontRef idx="minor">
+      <a:schemeClr val="tx1"/>
+    </cs:fontRef>
+    <cs:spPr>
+      <a:ln w="9525" cap="flat" cmpd="sng" algn="ctr">
+        <a:solidFill>
+          <a:schemeClr val="tx1">
+            <a:lumMod val="35000"/>
+            <a:lumOff val="65000"/>
+          </a:schemeClr>
+        </a:solidFill>
+        <a:round/>
+      </a:ln>
+    </cs:spPr>
+  </cs:seriesLine>
+  <cs:title>
+    <cs:lnRef idx="0"/>
+    <cs:fillRef idx="0"/>
+    <cs:effectRef idx="0"/>
+    <cs:fontRef idx="minor">
+      <a:schemeClr val="tx1">
+        <a:lumMod val="65000"/>
+        <a:lumOff val="35000"/>
+      </a:schemeClr>
+    </cs:fontRef>
+    <cs:defRPr sz="1862" b="0" kern="1200" spc="0" baseline="0"/>
+  </cs:title>
+  <cs:trendline>
+    <cs:lnRef idx="0">
+      <cs:styleClr val="auto"/>
+    </cs:lnRef>
+    <cs:fillRef idx="0"/>
+    <cs:effectRef idx="0"/>
+    <cs:fontRef idx="minor">
+      <a:schemeClr val="tx1"/>
+    </cs:fontRef>
+    <cs:spPr>
+      <a:ln w="19050" cap="rnd">
+        <a:solidFill>
+          <a:schemeClr val="phClr"/>
+        </a:solidFill>
+        <a:prstDash val="sysDot"/>
+      </a:ln>
+    </cs:spPr>
+  </cs:trendline>
+  <cs:trendlineLabel>
+    <cs:lnRef idx="0"/>
+    <cs:fillRef idx="0"/>
+    <cs:effectRef idx="0"/>
+    <cs:fontRef idx="minor">
+      <a:schemeClr val="tx1">
+        <a:lumMod val="65000"/>
+        <a:lumOff val="35000"/>
+      </a:schemeClr>
+    </cs:fontRef>
+    <cs:defRPr sz="1197" kern="1200"/>
+  </cs:trendlineLabel>
+  <cs:upBar>
+    <cs:lnRef idx="0"/>
+    <cs:fillRef idx="0"/>
+    <cs:effectRef idx="0"/>
+    <cs:fontRef idx="minor">
+      <a:schemeClr val="dk1"/>
+    </cs:fontRef>
+    <cs:spPr>
+      <a:solidFill>
+        <a:schemeClr val="lt1"/>
+      </a:solidFill>
+      <a:ln w="9525">
+        <a:solidFill>
+          <a:schemeClr val="tx1">
+            <a:lumMod val="15000"/>
+            <a:lumOff val="85000"/>
+          </a:schemeClr>
+        </a:solidFill>
+      </a:ln>
+    </cs:spPr>
+  </cs:upBar>
+  <cs:valueAxis>
+    <cs:lnRef idx="0"/>
+    <cs:fillRef idx="0"/>
+    <cs:effectRef idx="0"/>
+    <cs:fontRef idx="minor">
+      <a:schemeClr val="tx1">
+        <a:lumMod val="65000"/>
+        <a:lumOff val="35000"/>
+      </a:schemeClr>
+    </cs:fontRef>
+    <cs:defRPr sz="1197" kern="1200"/>
+  </cs:valueAxis>
+  <cs:wall>
+    <cs:lnRef idx="0"/>
+    <cs:fillRef idx="0"/>
+    <cs:effectRef idx="0"/>
+    <cs:fontRef idx="minor">
+      <a:schemeClr val="tx1"/>
+    </cs:fontRef>
+    <cs:spPr>
+      <a:noFill/>
+      <a:ln>
+        <a:noFill/>
+      </a:ln>
+    </cs:spPr>
+  </cs:wall>
+</cs:chartStyle>
+</file>
+
 <file path=ppt/slideLayouts/slideLayout1.xml><?xml version="1.0" encoding="utf-8"?>
 <p:sldLayout xmlns:a="http://schemas.openxmlformats.org/drawingml/2006/main" xmlns:r="http://schemas.openxmlformats.org/officeDocument/2006/relationships" xmlns:p="http://schemas.openxmlformats.org/presentationml/2006/main" type="title" preserve="1">
   <p:cSld name="Diapositive de titre">
@@ -265,7 +3275,7 @@
           <a:p>
             <a:fld id="{F0CD1A98-8FF4-4455-862F-ADAFC7A7539A}" type="datetimeFigureOut">
               <a:rPr lang="en-US" smtClean="0"/>
-              <a:t>11/17/2022</a:t>
+              <a:t>11/18/2022</a:t>
             </a:fld>
             <a:endParaRPr lang="en-US"/>
           </a:p>
@@ -319,7 +3329,7 @@
           <a:p>
             <a:fld id="{B34126A5-E1BD-479A-BB0D-DA04B4D787A6}" type="slidenum">
               <a:rPr lang="en-US" smtClean="0"/>
-              <a:t>‹N°›</a:t>
+              <a:t>‹N›</a:t>
             </a:fld>
             <a:endParaRPr lang="en-US"/>
           </a:p>
@@ -465,7 +3475,7 @@
           <a:p>
             <a:fld id="{F0CD1A98-8FF4-4455-862F-ADAFC7A7539A}" type="datetimeFigureOut">
               <a:rPr lang="en-US" smtClean="0"/>
-              <a:t>11/17/2022</a:t>
+              <a:t>11/18/2022</a:t>
             </a:fld>
             <a:endParaRPr lang="en-US"/>
           </a:p>
@@ -519,7 +3529,7 @@
           <a:p>
             <a:fld id="{B34126A5-E1BD-479A-BB0D-DA04B4D787A6}" type="slidenum">
               <a:rPr lang="en-US" smtClean="0"/>
-              <a:t>‹N°›</a:t>
+              <a:t>‹N›</a:t>
             </a:fld>
             <a:endParaRPr lang="en-US"/>
           </a:p>
@@ -675,7 +3685,7 @@
           <a:p>
             <a:fld id="{F0CD1A98-8FF4-4455-862F-ADAFC7A7539A}" type="datetimeFigureOut">
               <a:rPr lang="en-US" smtClean="0"/>
-              <a:t>11/17/2022</a:t>
+              <a:t>11/18/2022</a:t>
             </a:fld>
             <a:endParaRPr lang="en-US"/>
           </a:p>
@@ -729,7 +3739,7 @@
           <a:p>
             <a:fld id="{B34126A5-E1BD-479A-BB0D-DA04B4D787A6}" type="slidenum">
               <a:rPr lang="en-US" smtClean="0"/>
-              <a:t>‹N°›</a:t>
+              <a:t>‹N›</a:t>
             </a:fld>
             <a:endParaRPr lang="en-US"/>
           </a:p>
@@ -875,7 +3885,7 @@
           <a:p>
             <a:fld id="{F0CD1A98-8FF4-4455-862F-ADAFC7A7539A}" type="datetimeFigureOut">
               <a:rPr lang="en-US" smtClean="0"/>
-              <a:t>11/17/2022</a:t>
+              <a:t>11/18/2022</a:t>
             </a:fld>
             <a:endParaRPr lang="en-US"/>
           </a:p>
@@ -929,7 +3939,7 @@
           <a:p>
             <a:fld id="{B34126A5-E1BD-479A-BB0D-DA04B4D787A6}" type="slidenum">
               <a:rPr lang="en-US" smtClean="0"/>
-              <a:t>‹N°›</a:t>
+              <a:t>‹N›</a:t>
             </a:fld>
             <a:endParaRPr lang="en-US"/>
           </a:p>
@@ -1151,7 +4161,7 @@
           <a:p>
             <a:fld id="{F0CD1A98-8FF4-4455-862F-ADAFC7A7539A}" type="datetimeFigureOut">
               <a:rPr lang="en-US" smtClean="0"/>
-              <a:t>11/17/2022</a:t>
+              <a:t>11/18/2022</a:t>
             </a:fld>
             <a:endParaRPr lang="en-US"/>
           </a:p>
@@ -1205,7 +4215,7 @@
           <a:p>
             <a:fld id="{B34126A5-E1BD-479A-BB0D-DA04B4D787A6}" type="slidenum">
               <a:rPr lang="en-US" smtClean="0"/>
-              <a:t>‹N°›</a:t>
+              <a:t>‹N›</a:t>
             </a:fld>
             <a:endParaRPr lang="en-US"/>
           </a:p>
@@ -1419,7 +4429,7 @@
           <a:p>
             <a:fld id="{F0CD1A98-8FF4-4455-862F-ADAFC7A7539A}" type="datetimeFigureOut">
               <a:rPr lang="en-US" smtClean="0"/>
-              <a:t>11/17/2022</a:t>
+              <a:t>11/18/2022</a:t>
             </a:fld>
             <a:endParaRPr lang="en-US"/>
           </a:p>
@@ -1473,7 +4483,7 @@
           <a:p>
             <a:fld id="{B34126A5-E1BD-479A-BB0D-DA04B4D787A6}" type="slidenum">
               <a:rPr lang="en-US" smtClean="0"/>
-              <a:t>‹N°›</a:t>
+              <a:t>‹N›</a:t>
             </a:fld>
             <a:endParaRPr lang="en-US"/>
           </a:p>
@@ -1834,7 +4844,7 @@
           <a:p>
             <a:fld id="{F0CD1A98-8FF4-4455-862F-ADAFC7A7539A}" type="datetimeFigureOut">
               <a:rPr lang="en-US" smtClean="0"/>
-              <a:t>11/17/2022</a:t>
+              <a:t>11/18/2022</a:t>
             </a:fld>
             <a:endParaRPr lang="en-US"/>
           </a:p>
@@ -1888,7 +4898,7 @@
           <a:p>
             <a:fld id="{B34126A5-E1BD-479A-BB0D-DA04B4D787A6}" type="slidenum">
               <a:rPr lang="en-US" smtClean="0"/>
-              <a:t>‹N°›</a:t>
+              <a:t>‹N›</a:t>
             </a:fld>
             <a:endParaRPr lang="en-US"/>
           </a:p>
@@ -1976,7 +4986,7 @@
           <a:p>
             <a:fld id="{F0CD1A98-8FF4-4455-862F-ADAFC7A7539A}" type="datetimeFigureOut">
               <a:rPr lang="en-US" smtClean="0"/>
-              <a:t>11/17/2022</a:t>
+              <a:t>11/18/2022</a:t>
             </a:fld>
             <a:endParaRPr lang="en-US"/>
           </a:p>
@@ -2030,7 +5040,7 @@
           <a:p>
             <a:fld id="{B34126A5-E1BD-479A-BB0D-DA04B4D787A6}" type="slidenum">
               <a:rPr lang="en-US" smtClean="0"/>
-              <a:t>‹N°›</a:t>
+              <a:t>‹N›</a:t>
             </a:fld>
             <a:endParaRPr lang="en-US"/>
           </a:p>
@@ -2089,7 +5099,7 @@
           <a:p>
             <a:fld id="{F0CD1A98-8FF4-4455-862F-ADAFC7A7539A}" type="datetimeFigureOut">
               <a:rPr lang="en-US" smtClean="0"/>
-              <a:t>11/17/2022</a:t>
+              <a:t>11/18/2022</a:t>
             </a:fld>
             <a:endParaRPr lang="en-US"/>
           </a:p>
@@ -2143,7 +5153,7 @@
           <a:p>
             <a:fld id="{B34126A5-E1BD-479A-BB0D-DA04B4D787A6}" type="slidenum">
               <a:rPr lang="en-US" smtClean="0"/>
-              <a:t>‹N°›</a:t>
+              <a:t>‹N›</a:t>
             </a:fld>
             <a:endParaRPr lang="en-US"/>
           </a:p>
@@ -2402,7 +5412,7 @@
           <a:p>
             <a:fld id="{F0CD1A98-8FF4-4455-862F-ADAFC7A7539A}" type="datetimeFigureOut">
               <a:rPr lang="en-US" smtClean="0"/>
-              <a:t>11/17/2022</a:t>
+              <a:t>11/18/2022</a:t>
             </a:fld>
             <a:endParaRPr lang="en-US"/>
           </a:p>
@@ -2456,7 +5466,7 @@
           <a:p>
             <a:fld id="{B34126A5-E1BD-479A-BB0D-DA04B4D787A6}" type="slidenum">
               <a:rPr lang="en-US" smtClean="0"/>
-              <a:t>‹N°›</a:t>
+              <a:t>‹N›</a:t>
             </a:fld>
             <a:endParaRPr lang="en-US"/>
           </a:p>
@@ -2691,7 +5701,7 @@
           <a:p>
             <a:fld id="{F0CD1A98-8FF4-4455-862F-ADAFC7A7539A}" type="datetimeFigureOut">
               <a:rPr lang="en-US" smtClean="0"/>
-              <a:t>11/17/2022</a:t>
+              <a:t>11/18/2022</a:t>
             </a:fld>
             <a:endParaRPr lang="en-US"/>
           </a:p>
@@ -2745,7 +5755,7 @@
           <a:p>
             <a:fld id="{B34126A5-E1BD-479A-BB0D-DA04B4D787A6}" type="slidenum">
               <a:rPr lang="en-US" smtClean="0"/>
-              <a:t>‹N°›</a:t>
+              <a:t>‹N›</a:t>
             </a:fld>
             <a:endParaRPr lang="en-US"/>
           </a:p>
@@ -2934,7 +5944,7 @@
           <a:p>
             <a:fld id="{F0CD1A98-8FF4-4455-862F-ADAFC7A7539A}" type="datetimeFigureOut">
               <a:rPr lang="en-US" smtClean="0"/>
-              <a:t>11/17/2022</a:t>
+              <a:t>11/18/2022</a:t>
             </a:fld>
             <a:endParaRPr lang="en-US"/>
           </a:p>
@@ -3024,7 +6034,7 @@
           <a:p>
             <a:fld id="{B34126A5-E1BD-479A-BB0D-DA04B4D787A6}" type="slidenum">
               <a:rPr lang="en-US" smtClean="0"/>
-              <a:t>‹N°›</a:t>
+              <a:t>‹N›</a:t>
             </a:fld>
             <a:endParaRPr lang="en-US"/>
           </a:p>
@@ -4152,12 +7162,14 @@
           </a:xfrm>
         </p:spPr>
         <p:txBody>
-          <a:bodyPr/>
+          <a:bodyPr>
+            <a:normAutofit/>
+          </a:bodyPr>
           <a:lstStyle/>
           <a:p>
             <a:pPr algn="ctr"/>
             <a:r>
-              <a:rPr lang="it-IT" dirty="0">
+              <a:rPr lang="it-IT" dirty="0" err="1">
                 <a:solidFill>
                   <a:srgbClr val="FF0000"/>
                 </a:solidFill>
@@ -4172,41 +7184,6 @@
           </a:p>
         </p:txBody>
       </p:sp>
-      <p:pic>
-        <p:nvPicPr>
-          <p:cNvPr id="5" name="Espace réservé du contenu 4">
-            <a:extLst>
-              <a:ext uri="{FF2B5EF4-FFF2-40B4-BE49-F238E27FC236}">
-                <a16:creationId xmlns:a16="http://schemas.microsoft.com/office/drawing/2014/main" id="{ABFF2C30-A136-4F81-BE5C-4B80276BC2C6}"/>
-              </a:ext>
-            </a:extLst>
-          </p:cNvPr>
-          <p:cNvPicPr>
-            <a:picLocks noGrp="1" noChangeAspect="1"/>
-          </p:cNvPicPr>
-          <p:nvPr>
-            <p:ph idx="1"/>
-          </p:nvPr>
-        </p:nvPicPr>
-        <p:blipFill>
-          <a:blip r:embed="rId2">
-            <a:extLst>
-              <a:ext uri="{28A0092B-C50C-407E-A947-70E740481C1C}">
-                <a14:useLocalDpi xmlns:a14="http://schemas.microsoft.com/office/drawing/2010/main" val="0"/>
-              </a:ext>
-            </a:extLst>
-          </a:blip>
-          <a:stretch>
-            <a:fillRect/>
-          </a:stretch>
-        </p:blipFill>
-        <p:spPr>
-          <a:xfrm>
-            <a:off x="133165" y="1278384"/>
-            <a:ext cx="6968253" cy="4749553"/>
-          </a:xfrm>
-        </p:spPr>
-      </p:pic>
       <p:sp>
         <p:nvSpPr>
           <p:cNvPr id="6" name="ZoneTexte 5">
@@ -4243,10 +7220,314 @@
           </a:p>
         </p:txBody>
       </p:sp>
+      <p:graphicFrame>
+        <p:nvGraphicFramePr>
+          <p:cNvPr id="7" name="Grafico 6">
+            <a:extLst>
+              <a:ext uri="{FF2B5EF4-FFF2-40B4-BE49-F238E27FC236}">
+                <a16:creationId xmlns:a16="http://schemas.microsoft.com/office/drawing/2014/main" id="{744DB517-91BB-27F3-ACFE-364FC256014F}"/>
+              </a:ext>
+            </a:extLst>
+          </p:cNvPr>
+          <p:cNvGraphicFramePr/>
+          <p:nvPr>
+            <p:extLst>
+              <p:ext uri="{D42A27DB-BD31-4B8C-83A1-F6EECF244321}">
+                <p14:modId xmlns:p14="http://schemas.microsoft.com/office/powerpoint/2010/main" val="2559481107"/>
+              </p:ext>
+            </p:extLst>
+          </p:nvPr>
+        </p:nvGraphicFramePr>
+        <p:xfrm>
+          <a:off x="918099" y="967667"/>
+          <a:ext cx="6905101" cy="5433133"/>
+        </p:xfrm>
+        <a:graphic>
+          <a:graphicData uri="http://schemas.openxmlformats.org/drawingml/2006/chart">
+            <c:chart xmlns:c="http://schemas.openxmlformats.org/drawingml/2006/chart" xmlns:r="http://schemas.openxmlformats.org/officeDocument/2006/relationships" r:id="rId2"/>
+          </a:graphicData>
+        </a:graphic>
+      </p:graphicFrame>
     </p:spTree>
     <p:extLst>
       <p:ext uri="{BB962C8B-B14F-4D97-AF65-F5344CB8AC3E}">
         <p14:creationId xmlns:p14="http://schemas.microsoft.com/office/powerpoint/2010/main" val="3514744070"/>
+      </p:ext>
+    </p:extLst>
+  </p:cSld>
+  <p:clrMapOvr>
+    <a:masterClrMapping/>
+  </p:clrMapOvr>
+</p:sld>
+</file>
+
+<file path=ppt/slides/slide6.xml><?xml version="1.0" encoding="utf-8"?>
+<p:sld xmlns:a="http://schemas.openxmlformats.org/drawingml/2006/main" xmlns:r="http://schemas.openxmlformats.org/officeDocument/2006/relationships" xmlns:p="http://schemas.openxmlformats.org/presentationml/2006/main">
+  <p:cSld>
+    <p:spTree>
+      <p:nvGrpSpPr>
+        <p:cNvPr id="1" name=""/>
+        <p:cNvGrpSpPr/>
+        <p:nvPr/>
+      </p:nvGrpSpPr>
+      <p:grpSpPr>
+        <a:xfrm>
+          <a:off x="0" y="0"/>
+          <a:ext cx="0" cy="0"/>
+          <a:chOff x="0" y="0"/>
+          <a:chExt cx="0" cy="0"/>
+        </a:xfrm>
+      </p:grpSpPr>
+      <p:sp>
+        <p:nvSpPr>
+          <p:cNvPr id="2" name="Titre 1">
+            <a:extLst>
+              <a:ext uri="{FF2B5EF4-FFF2-40B4-BE49-F238E27FC236}">
+                <a16:creationId xmlns:a16="http://schemas.microsoft.com/office/drawing/2014/main" id="{66863F0B-19CF-494B-B754-9C4FE051E2AD}"/>
+              </a:ext>
+            </a:extLst>
+          </p:cNvPr>
+          <p:cNvSpPr>
+            <a:spLocks noGrp="1"/>
+          </p:cNvSpPr>
+          <p:nvPr>
+            <p:ph type="title"/>
+          </p:nvPr>
+        </p:nvSpPr>
+        <p:spPr>
+          <a:xfrm>
+            <a:off x="918099" y="1"/>
+            <a:ext cx="10515600" cy="967666"/>
+          </a:xfrm>
+        </p:spPr>
+        <p:txBody>
+          <a:bodyPr>
+            <a:normAutofit/>
+          </a:bodyPr>
+          <a:lstStyle/>
+          <a:p>
+            <a:pPr algn="ctr"/>
+            <a:r>
+              <a:rPr lang="it-IT" dirty="0" err="1">
+                <a:solidFill>
+                  <a:srgbClr val="FF0000"/>
+                </a:solidFill>
+              </a:rPr>
+              <a:t>Measures</a:t>
+            </a:r>
+            <a:endParaRPr lang="en-US" dirty="0">
+              <a:solidFill>
+                <a:srgbClr val="FF0000"/>
+              </a:solidFill>
+            </a:endParaRPr>
+          </a:p>
+        </p:txBody>
+      </p:sp>
+      <p:sp>
+        <p:nvSpPr>
+          <p:cNvPr id="6" name="ZoneTexte 5">
+            <a:extLst>
+              <a:ext uri="{FF2B5EF4-FFF2-40B4-BE49-F238E27FC236}">
+                <a16:creationId xmlns:a16="http://schemas.microsoft.com/office/drawing/2014/main" id="{BF6C1AC2-A7F3-4A79-A3E7-A5E76057B99B}"/>
+              </a:ext>
+            </a:extLst>
+          </p:cNvPr>
+          <p:cNvSpPr txBox="1"/>
+          <p:nvPr/>
+        </p:nvSpPr>
+        <p:spPr>
+          <a:xfrm>
+            <a:off x="8052047" y="1722267"/>
+            <a:ext cx="3551068" cy="1815882"/>
+          </a:xfrm>
+          <a:prstGeom prst="rect">
+            <a:avLst/>
+          </a:prstGeom>
+          <a:noFill/>
+        </p:spPr>
+        <p:txBody>
+          <a:bodyPr wrap="square" rtlCol="0">
+            <a:spAutoFit/>
+          </a:bodyPr>
+          <a:lstStyle/>
+          <a:p>
+            <a:r>
+              <a:rPr lang="en-GB" sz="2800" dirty="0"/>
+              <a:t>Comparison of the Instruction-per-cycle metric for the three versions</a:t>
+            </a:r>
+          </a:p>
+        </p:txBody>
+      </p:sp>
+      <p:graphicFrame>
+        <p:nvGraphicFramePr>
+          <p:cNvPr id="7" name="Grafico 6">
+            <a:extLst>
+              <a:ext uri="{FF2B5EF4-FFF2-40B4-BE49-F238E27FC236}">
+                <a16:creationId xmlns:a16="http://schemas.microsoft.com/office/drawing/2014/main" id="{744DB517-91BB-27F3-ACFE-364FC256014F}"/>
+              </a:ext>
+            </a:extLst>
+          </p:cNvPr>
+          <p:cNvGraphicFramePr/>
+          <p:nvPr>
+            <p:extLst>
+              <p:ext uri="{D42A27DB-BD31-4B8C-83A1-F6EECF244321}">
+                <p14:modId xmlns:p14="http://schemas.microsoft.com/office/powerpoint/2010/main" val="3485132639"/>
+              </p:ext>
+            </p:extLst>
+          </p:nvPr>
+        </p:nvGraphicFramePr>
+        <p:xfrm>
+          <a:off x="918099" y="967667"/>
+          <a:ext cx="6905101" cy="5433133"/>
+        </p:xfrm>
+        <a:graphic>
+          <a:graphicData uri="http://schemas.openxmlformats.org/drawingml/2006/chart">
+            <c:chart xmlns:c="http://schemas.openxmlformats.org/drawingml/2006/chart" xmlns:r="http://schemas.openxmlformats.org/officeDocument/2006/relationships" r:id="rId2"/>
+          </a:graphicData>
+        </a:graphic>
+      </p:graphicFrame>
+    </p:spTree>
+    <p:extLst>
+      <p:ext uri="{BB962C8B-B14F-4D97-AF65-F5344CB8AC3E}">
+        <p14:creationId xmlns:p14="http://schemas.microsoft.com/office/powerpoint/2010/main" val="2349128305"/>
+      </p:ext>
+    </p:extLst>
+  </p:cSld>
+  <p:clrMapOvr>
+    <a:masterClrMapping/>
+  </p:clrMapOvr>
+</p:sld>
+</file>
+
+<file path=ppt/slides/slide7.xml><?xml version="1.0" encoding="utf-8"?>
+<p:sld xmlns:a="http://schemas.openxmlformats.org/drawingml/2006/main" xmlns:r="http://schemas.openxmlformats.org/officeDocument/2006/relationships" xmlns:p="http://schemas.openxmlformats.org/presentationml/2006/main">
+  <p:cSld>
+    <p:spTree>
+      <p:nvGrpSpPr>
+        <p:cNvPr id="1" name=""/>
+        <p:cNvGrpSpPr/>
+        <p:nvPr/>
+      </p:nvGrpSpPr>
+      <p:grpSpPr>
+        <a:xfrm>
+          <a:off x="0" y="0"/>
+          <a:ext cx="0" cy="0"/>
+          <a:chOff x="0" y="0"/>
+          <a:chExt cx="0" cy="0"/>
+        </a:xfrm>
+      </p:grpSpPr>
+      <p:sp>
+        <p:nvSpPr>
+          <p:cNvPr id="2" name="Titre 1">
+            <a:extLst>
+              <a:ext uri="{FF2B5EF4-FFF2-40B4-BE49-F238E27FC236}">
+                <a16:creationId xmlns:a16="http://schemas.microsoft.com/office/drawing/2014/main" id="{66863F0B-19CF-494B-B754-9C4FE051E2AD}"/>
+              </a:ext>
+            </a:extLst>
+          </p:cNvPr>
+          <p:cNvSpPr>
+            <a:spLocks noGrp="1"/>
+          </p:cNvSpPr>
+          <p:nvPr>
+            <p:ph type="title"/>
+          </p:nvPr>
+        </p:nvSpPr>
+        <p:spPr>
+          <a:xfrm>
+            <a:off x="918099" y="1"/>
+            <a:ext cx="10515600" cy="967666"/>
+          </a:xfrm>
+        </p:spPr>
+        <p:txBody>
+          <a:bodyPr>
+            <a:normAutofit/>
+          </a:bodyPr>
+          <a:lstStyle/>
+          <a:p>
+            <a:pPr algn="ctr"/>
+            <a:r>
+              <a:rPr lang="it-IT" dirty="0" err="1">
+                <a:solidFill>
+                  <a:srgbClr val="FF0000"/>
+                </a:solidFill>
+              </a:rPr>
+              <a:t>Measures</a:t>
+            </a:r>
+            <a:endParaRPr lang="en-US" dirty="0">
+              <a:solidFill>
+                <a:srgbClr val="FF0000"/>
+              </a:solidFill>
+            </a:endParaRPr>
+          </a:p>
+        </p:txBody>
+      </p:sp>
+      <p:sp>
+        <p:nvSpPr>
+          <p:cNvPr id="6" name="ZoneTexte 5">
+            <a:extLst>
+              <a:ext uri="{FF2B5EF4-FFF2-40B4-BE49-F238E27FC236}">
+                <a16:creationId xmlns:a16="http://schemas.microsoft.com/office/drawing/2014/main" id="{BF6C1AC2-A7F3-4A79-A3E7-A5E76057B99B}"/>
+              </a:ext>
+            </a:extLst>
+          </p:cNvPr>
+          <p:cNvSpPr txBox="1"/>
+          <p:nvPr/>
+        </p:nvSpPr>
+        <p:spPr>
+          <a:xfrm>
+            <a:off x="8052047" y="1722267"/>
+            <a:ext cx="3551068" cy="1815882"/>
+          </a:xfrm>
+          <a:prstGeom prst="rect">
+            <a:avLst/>
+          </a:prstGeom>
+          <a:noFill/>
+        </p:spPr>
+        <p:txBody>
+          <a:bodyPr wrap="square" rtlCol="0">
+            <a:spAutoFit/>
+          </a:bodyPr>
+          <a:lstStyle/>
+          <a:p>
+            <a:r>
+              <a:rPr lang="en-GB" sz="2800" dirty="0"/>
+              <a:t>Comparison of the Instruction-per-cycle metric for the three versions</a:t>
+            </a:r>
+          </a:p>
+        </p:txBody>
+      </p:sp>
+      <p:graphicFrame>
+        <p:nvGraphicFramePr>
+          <p:cNvPr id="7" name="Grafico 6">
+            <a:extLst>
+              <a:ext uri="{FF2B5EF4-FFF2-40B4-BE49-F238E27FC236}">
+                <a16:creationId xmlns:a16="http://schemas.microsoft.com/office/drawing/2014/main" id="{744DB517-91BB-27F3-ACFE-364FC256014F}"/>
+              </a:ext>
+            </a:extLst>
+          </p:cNvPr>
+          <p:cNvGraphicFramePr/>
+          <p:nvPr>
+            <p:extLst>
+              <p:ext uri="{D42A27DB-BD31-4B8C-83A1-F6EECF244321}">
+                <p14:modId xmlns:p14="http://schemas.microsoft.com/office/powerpoint/2010/main" val="538763709"/>
+              </p:ext>
+            </p:extLst>
+          </p:nvPr>
+        </p:nvGraphicFramePr>
+        <p:xfrm>
+          <a:off x="918099" y="967667"/>
+          <a:ext cx="6905101" cy="5433133"/>
+        </p:xfrm>
+        <a:graphic>
+          <a:graphicData uri="http://schemas.openxmlformats.org/drawingml/2006/chart">
+            <c:chart xmlns:c="http://schemas.openxmlformats.org/drawingml/2006/chart" xmlns:r="http://schemas.openxmlformats.org/officeDocument/2006/relationships" r:id="rId2"/>
+          </a:graphicData>
+        </a:graphic>
+      </p:graphicFrame>
+    </p:spTree>
+    <p:extLst>
+      <p:ext uri="{BB962C8B-B14F-4D97-AF65-F5344CB8AC3E}">
+        <p14:creationId xmlns:p14="http://schemas.microsoft.com/office/powerpoint/2010/main" val="198306108"/>
       </p:ext>
     </p:extLst>
   </p:cSld>

--- a/presentation.pptx
+++ b/presentation.pptx
@@ -1124,10 +1124,10 @@
               </a:defRPr>
             </a:pPr>
             <a:r>
-              <a:rPr lang="en-GB" baseline="0" noProof="0" dirty="0"/>
-              <a:t>Instruction per cycle</a:t>
-            </a:r>
-            <a:endParaRPr lang="en-GB" noProof="0" dirty="0"/>
+              <a:rPr lang="it-IT" dirty="0" err="1"/>
+              <a:t>Speedup</a:t>
+            </a:r>
+            <a:endParaRPr lang="it-IT" dirty="0"/>
           </a:p>
         </c:rich>
       </c:tx>
@@ -1216,10 +1216,19 @@
             <c:numRef>
               <c:f>Foglio1!$B$2:$B$5</c:f>
               <c:numCache>
-                <c:formatCode>0.000000</c:formatCode>
+                <c:formatCode>General</c:formatCode>
                 <c:ptCount val="4"/>
                 <c:pt idx="0">
                   <c:v>1.3245</c:v>
+                </c:pt>
+                <c:pt idx="1">
+                  <c:v>1.4138520000000001</c:v>
+                </c:pt>
+                <c:pt idx="2">
+                  <c:v>1.531887</c:v>
+                </c:pt>
+                <c:pt idx="3">
+                  <c:v>1.4086799999999999</c:v>
                 </c:pt>
               </c:numCache>
             </c:numRef>
@@ -1227,7 +1236,7 @@
           <c:smooth val="0"/>
           <c:extLst>
             <c:ext xmlns:c16="http://schemas.microsoft.com/office/drawing/2014/chart" uri="{C3380CC4-5D6E-409C-BE32-E72D297353CC}">
-              <c16:uniqueId val="{00000000-DED1-4D88-9AA6-44C9ABC5C598}"/>
+              <c16:uniqueId val="{00000000-2AF2-4434-875A-829E27CCDBCE}"/>
             </c:ext>
           </c:extLst>
         </c:ser>
@@ -1281,19 +1290,19 @@
             <c:numRef>
               <c:f>Foglio1!$C$2:$C$5</c:f>
               <c:numCache>
-                <c:formatCode>0.000000</c:formatCode>
+                <c:formatCode>General</c:formatCode>
                 <c:ptCount val="4"/>
                 <c:pt idx="0">
                   <c:v>1.4045030000000001</c:v>
                 </c:pt>
                 <c:pt idx="1">
-                  <c:v>0.3</c:v>
+                  <c:v>1.5599050000000001</c:v>
                 </c:pt>
                 <c:pt idx="2">
-                  <c:v>0.25</c:v>
+                  <c:v>1.788357</c:v>
                 </c:pt>
                 <c:pt idx="3">
-                  <c:v>0.19</c:v>
+                  <c:v>1.4167510000000001</c:v>
                 </c:pt>
               </c:numCache>
             </c:numRef>
@@ -1301,7 +1310,7 @@
           <c:smooth val="0"/>
           <c:extLst>
             <c:ext xmlns:c16="http://schemas.microsoft.com/office/drawing/2014/chart" uri="{C3380CC4-5D6E-409C-BE32-E72D297353CC}">
-              <c16:uniqueId val="{00000001-DED1-4D88-9AA6-44C9ABC5C598}"/>
+              <c16:uniqueId val="{00000001-2AF2-4434-875A-829E27CCDBCE}"/>
             </c:ext>
           </c:extLst>
         </c:ser>
@@ -1314,11 +1323,11 @@
           <c:showBubbleSize val="0"/>
         </c:dLbls>
         <c:smooth val="0"/>
-        <c:axId val="1546791135"/>
-        <c:axId val="1546792383"/>
+        <c:axId val="683681663"/>
+        <c:axId val="683682495"/>
       </c:lineChart>
       <c:catAx>
-        <c:axId val="1546791135"/>
+        <c:axId val="683681663"/>
         <c:scaling>
           <c:orientation val="minMax"/>
         </c:scaling>
@@ -1361,7 +1370,7 @@
             <a:endParaRPr lang="it-IT"/>
           </a:p>
         </c:txPr>
-        <c:crossAx val="1546792383"/>
+        <c:crossAx val="683682495"/>
         <c:crosses val="autoZero"/>
         <c:auto val="1"/>
         <c:lblAlgn val="ctr"/>
@@ -1369,7 +1378,7 @@
         <c:noMultiLvlLbl val="0"/>
       </c:catAx>
       <c:valAx>
-        <c:axId val="1546792383"/>
+        <c:axId val="683682495"/>
         <c:scaling>
           <c:orientation val="minMax"/>
         </c:scaling>
@@ -1389,14 +1398,16 @@
             <a:effectLst/>
           </c:spPr>
         </c:majorGridlines>
-        <c:numFmt formatCode="0.000000" sourceLinked="1"/>
+        <c:numFmt formatCode="General" sourceLinked="1"/>
         <c:majorTickMark val="none"/>
         <c:minorTickMark val="none"/>
         <c:tickLblPos val="nextTo"/>
         <c:spPr>
           <a:noFill/>
           <a:ln>
-            <a:noFill/>
+            <a:solidFill>
+              <a:schemeClr val="accent1"/>
+            </a:solidFill>
           </a:ln>
           <a:effectLst/>
         </c:spPr>
@@ -1420,7 +1431,7 @@
             <a:endParaRPr lang="it-IT"/>
           </a:p>
         </c:txPr>
-        <c:crossAx val="1546791135"/>
+        <c:crossAx val="683681663"/>
         <c:crosses val="autoZero"/>
         <c:crossBetween val="between"/>
       </c:valAx>
@@ -2624,7 +2635,7 @@
 </file>
 
 <file path=ppt/charts/style3.xml><?xml version="1.0" encoding="utf-8"?>
-<cs:chartStyle xmlns:cs="http://schemas.microsoft.com/office/drawing/2012/chartStyle" xmlns:a="http://schemas.openxmlformats.org/drawingml/2006/main" id="201">
+<cs:chartStyle xmlns:cs="http://schemas.microsoft.com/office/drawing/2012/chartStyle" xmlns:a="http://schemas.openxmlformats.org/drawingml/2006/main" id="227">
   <cs:axisTitle>
     <cs:lnRef idx="0"/>
     <cs:fillRef idx="0"/>
@@ -2732,6 +2743,11 @@
     <cs:fontRef idx="minor">
       <a:schemeClr val="tx1"/>
     </cs:fontRef>
+    <cs:spPr>
+      <a:solidFill>
+        <a:schemeClr val="phClr"/>
+      </a:solidFill>
+    </cs:spPr>
   </cs:dataPoint>
   <cs:dataPoint3D>
     <cs:lnRef idx="0"/>
@@ -2742,6 +2758,11 @@
     <cs:fontRef idx="minor">
       <a:schemeClr val="tx1"/>
     </cs:fontRef>
+    <cs:spPr>
+      <a:solidFill>
+        <a:schemeClr val="phClr"/>
+      </a:solidFill>
+    </cs:spPr>
   </cs:dataPoint3D>
   <cs:dataPointLine>
     <cs:lnRef idx="0">
@@ -2773,6 +2794,9 @@
       <a:schemeClr val="tx1"/>
     </cs:fontRef>
     <cs:spPr>
+      <a:solidFill>
+        <a:schemeClr val="phClr"/>
+      </a:solidFill>
       <a:ln w="9525">
         <a:solidFill>
           <a:schemeClr val="phClr"/>
@@ -7475,8 +7499,8 @@
         </p:nvSpPr>
         <p:spPr>
           <a:xfrm>
-            <a:off x="8052047" y="1722267"/>
-            <a:ext cx="3551068" cy="1815882"/>
+            <a:off x="8052047" y="1798467"/>
+            <a:ext cx="3551068" cy="3108543"/>
           </a:xfrm>
           <a:prstGeom prst="rect">
             <a:avLst/>
@@ -7490,18 +7514,44 @@
           <a:lstStyle/>
           <a:p>
             <a:r>
+              <a:rPr lang="en-GB" sz="2800" u="sng" dirty="0"/>
+              <a:t>Achieved speedup for both solution </a:t>
+            </a:r>
+            <a:r>
               <a:rPr lang="en-GB" sz="2800" dirty="0"/>
-              <a:t>Comparison of the Instruction-per-cycle metric for the three versions</a:t>
+              <a:t>calculated as:</a:t>
+            </a:r>
+          </a:p>
+          <a:p>
+            <a:endParaRPr lang="en-GB" sz="2800" dirty="0"/>
+          </a:p>
+          <a:p>
+            <a:r>
+              <a:rPr lang="en-GB" sz="2800" dirty="0"/>
+              <a:t>original execution time</a:t>
+            </a:r>
+          </a:p>
+          <a:p>
+            <a:pPr algn="ctr"/>
+            <a:r>
+              <a:rPr lang="en-GB" sz="2800" dirty="0"/>
+              <a:t>------------------------------</a:t>
+            </a:r>
+          </a:p>
+          <a:p>
+            <a:r>
+              <a:rPr lang="en-GB" sz="2800" dirty="0"/>
+              <a:t>parallel execution time</a:t>
             </a:r>
           </a:p>
         </p:txBody>
       </p:sp>
       <p:graphicFrame>
         <p:nvGraphicFramePr>
-          <p:cNvPr id="7" name="Grafico 6">
-            <a:extLst>
-              <a:ext uri="{FF2B5EF4-FFF2-40B4-BE49-F238E27FC236}">
-                <a16:creationId xmlns:a16="http://schemas.microsoft.com/office/drawing/2014/main" id="{744DB517-91BB-27F3-ACFE-364FC256014F}"/>
+          <p:cNvPr id="5" name="Grafico 4">
+            <a:extLst>
+              <a:ext uri="{FF2B5EF4-FFF2-40B4-BE49-F238E27FC236}">
+                <a16:creationId xmlns:a16="http://schemas.microsoft.com/office/drawing/2014/main" id="{7386E495-D3B3-DF04-2F75-2968F990D932}"/>
               </a:ext>
             </a:extLst>
           </p:cNvPr>
@@ -7509,14 +7559,14 @@
           <p:nvPr>
             <p:extLst>
               <p:ext uri="{D42A27DB-BD31-4B8C-83A1-F6EECF244321}">
-                <p14:modId xmlns:p14="http://schemas.microsoft.com/office/powerpoint/2010/main" val="538763709"/>
+                <p14:modId xmlns:p14="http://schemas.microsoft.com/office/powerpoint/2010/main" val="1976162001"/>
               </p:ext>
             </p:extLst>
           </p:nvPr>
         </p:nvGraphicFramePr>
         <p:xfrm>
           <a:off x="918099" y="967667"/>
-          <a:ext cx="6905101" cy="5433133"/>
+          <a:ext cx="7133948" cy="5418667"/>
         </p:xfrm>
         <a:graphic>
           <a:graphicData uri="http://schemas.openxmlformats.org/drawingml/2006/chart">
